--- a/Instructor slide deck.pptx
+++ b/Instructor slide deck.pptx
@@ -233,7 +233,7 @@
           <a:p>
             <a:fld id="{181F0A0F-B2AB-4514-BCDE-9E2F17F43077}" type="datetimeFigureOut">
               <a:rPr lang="sv-SE" smtClean="0"/>
-              <a:t>2023-02-14</a:t>
+              <a:t>2023-05-02</a:t>
             </a:fld>
             <a:endParaRPr lang="sv-SE"/>
           </a:p>
@@ -986,7 +986,7 @@
           <a:p>
             <a:fld id="{E511251B-4F49-4A5E-84B6-DA4522E7459F}" type="datetime1">
               <a:rPr lang="sv-SE" smtClean="0"/>
-              <a:t>2023-02-14</a:t>
+              <a:t>2023-05-02</a:t>
             </a:fld>
             <a:endParaRPr lang="sv-SE"/>
           </a:p>
@@ -1190,7 +1190,7 @@
           <a:p>
             <a:fld id="{150D4DC4-B3D5-42A4-AF1E-529C1C6E2DE1}" type="datetime1">
               <a:rPr lang="sv-SE" smtClean="0"/>
-              <a:t>2023-02-14</a:t>
+              <a:t>2023-05-02</a:t>
             </a:fld>
             <a:endParaRPr lang="sv-SE"/>
           </a:p>
@@ -1404,7 +1404,7 @@
           <a:p>
             <a:fld id="{5AD01E71-B690-4D43-9841-661F61908731}" type="datetime1">
               <a:rPr lang="sv-SE" smtClean="0"/>
-              <a:t>2023-02-14</a:t>
+              <a:t>2023-05-02</a:t>
             </a:fld>
             <a:endParaRPr lang="sv-SE"/>
           </a:p>
@@ -1837,7 +1837,7 @@
           <a:p>
             <a:fld id="{1449D2CC-D942-4D2B-BB7E-96625E0E0125}" type="datetime1">
               <a:rPr lang="sv-SE" smtClean="0"/>
-              <a:t>2023-02-14</a:t>
+              <a:t>2023-05-02</a:t>
             </a:fld>
             <a:endParaRPr lang="sv-SE"/>
           </a:p>
@@ -2109,7 +2109,7 @@
           <a:p>
             <a:fld id="{29CD9D35-3648-4052-8138-5893F3F8F5F6}" type="datetime1">
               <a:rPr lang="sv-SE" smtClean="0"/>
-              <a:t>2023-02-14</a:t>
+              <a:t>2023-05-02</a:t>
             </a:fld>
             <a:endParaRPr lang="sv-SE"/>
           </a:p>
@@ -2528,7 +2528,7 @@
           <a:p>
             <a:fld id="{E1D912A4-8991-4943-A9DD-786C85476834}" type="datetime1">
               <a:rPr lang="sv-SE" smtClean="0"/>
-              <a:t>2023-02-14</a:t>
+              <a:t>2023-05-02</a:t>
             </a:fld>
             <a:endParaRPr lang="sv-SE"/>
           </a:p>
@@ -2674,7 +2674,7 @@
           <a:p>
             <a:fld id="{2BFB1B3F-EEF3-4A62-97A5-00E314A33792}" type="datetime1">
               <a:rPr lang="sv-SE" smtClean="0"/>
-              <a:t>2023-02-14</a:t>
+              <a:t>2023-05-02</a:t>
             </a:fld>
             <a:endParaRPr lang="sv-SE"/>
           </a:p>
@@ -2791,7 +2791,7 @@
           <a:p>
             <a:fld id="{F1A8960B-8726-4B7C-87A0-D93B05403203}" type="datetime1">
               <a:rPr lang="sv-SE" smtClean="0"/>
-              <a:t>2023-02-14</a:t>
+              <a:t>2023-05-02</a:t>
             </a:fld>
             <a:endParaRPr lang="sv-SE"/>
           </a:p>
@@ -3108,7 +3108,7 @@
           <a:p>
             <a:fld id="{E3EAA643-8E6A-4AA5-872B-EC0137BFBC53}" type="datetime1">
               <a:rPr lang="sv-SE" smtClean="0"/>
-              <a:t>2023-02-14</a:t>
+              <a:t>2023-05-02</a:t>
             </a:fld>
             <a:endParaRPr lang="sv-SE"/>
           </a:p>
@@ -3401,7 +3401,7 @@
           <a:p>
             <a:fld id="{5A53B93B-7F22-47F9-BE5C-14AB63522CCD}" type="datetime1">
               <a:rPr lang="sv-SE" smtClean="0"/>
-              <a:t>2023-02-14</a:t>
+              <a:t>2023-05-02</a:t>
             </a:fld>
             <a:endParaRPr lang="sv-SE"/>
           </a:p>
@@ -3648,7 +3648,7 @@
           <a:p>
             <a:fld id="{D0182A12-D9D0-4890-8DA1-7736EB429036}" type="datetime1">
               <a:rPr lang="sv-SE" smtClean="0"/>
-              <a:t>2023-02-14</a:t>
+              <a:t>2023-05-02</a:t>
             </a:fld>
             <a:endParaRPr lang="sv-SE"/>
           </a:p>
@@ -4425,7 +4425,7 @@
           <a:p>
             <a:fld id="{9C8F26D7-CBF4-454E-A335-B75D323A88D3}" type="datetime1">
               <a:rPr lang="sv-SE" smtClean="0"/>
-              <a:t>2023-02-14</a:t>
+              <a:t>2023-05-02</a:t>
             </a:fld>
             <a:endParaRPr lang="sv-SE"/>
           </a:p>
@@ -4655,7 +4655,7 @@
           <a:p>
             <a:fld id="{9C8F26D7-CBF4-454E-A335-B75D323A88D3}" type="datetime1">
               <a:rPr lang="sv-SE" smtClean="0"/>
-              <a:t>2023-02-14</a:t>
+              <a:t>2023-05-02</a:t>
             </a:fld>
             <a:endParaRPr lang="sv-SE"/>
           </a:p>
@@ -4867,7 +4867,7 @@
           <a:p>
             <a:fld id="{9C8F26D7-CBF4-454E-A335-B75D323A88D3}" type="datetime1">
               <a:rPr lang="sv-SE" smtClean="0"/>
-              <a:t>2023-02-14</a:t>
+              <a:t>2023-05-02</a:t>
             </a:fld>
             <a:endParaRPr lang="sv-SE"/>
           </a:p>
@@ -5006,12 +5006,8 @@
           </a:p>
           <a:p>
             <a:r>
-              <a:rPr lang="en-AU" dirty="0" err="1"/>
-              <a:t>Adress</a:t>
-            </a:r>
-            <a:r>
               <a:rPr lang="en-AU" dirty="0"/>
-              <a:t> space layout randomization (ASLR)</a:t>
+              <a:t>Address space layout randomization (ASLR)</a:t>
             </a:r>
           </a:p>
           <a:p>
@@ -5126,7 +5122,7 @@
           <a:p>
             <a:fld id="{9C8F26D7-CBF4-454E-A335-B75D323A88D3}" type="datetime1">
               <a:rPr lang="sv-SE" smtClean="0"/>
-              <a:t>2023-02-14</a:t>
+              <a:t>2023-05-02</a:t>
             </a:fld>
             <a:endParaRPr lang="sv-SE"/>
           </a:p>
@@ -5188,10 +5184,9 @@
               <a:t>Data in </a:t>
             </a:r>
             <a:r>
-              <a:rPr lang="sv-SE" dirty="0" err="1"/>
+              <a:rPr lang="en-AU" dirty="0"/>
               <a:t>memory</a:t>
             </a:r>
-            <a:endParaRPr lang="sv-SE" dirty="0"/>
           </a:p>
         </p:txBody>
       </p:sp>
@@ -5415,7 +5410,7 @@
           <a:p>
             <a:fld id="{9C8F26D7-CBF4-454E-A335-B75D323A88D3}" type="datetime1">
               <a:rPr lang="sv-SE" smtClean="0"/>
-              <a:t>2023-02-14</a:t>
+              <a:t>2023-05-02</a:t>
             </a:fld>
             <a:endParaRPr lang="sv-SE"/>
           </a:p>
@@ -5510,196 +5505,35 @@
           <a:lstStyle/>
           <a:p>
             <a:r>
-              <a:rPr lang="sv-SE" dirty="0" err="1"/>
-              <a:t>Take</a:t>
-            </a:r>
-            <a:r>
-              <a:rPr lang="sv-SE" dirty="0"/>
-              <a:t> </a:t>
-            </a:r>
-            <a:r>
-              <a:rPr lang="sv-SE" dirty="0" err="1"/>
-              <a:t>two</a:t>
-            </a:r>
-            <a:r>
-              <a:rPr lang="sv-SE" dirty="0"/>
-              <a:t> </a:t>
-            </a:r>
-            <a:r>
-              <a:rPr lang="sv-SE" dirty="0" err="1"/>
-              <a:t>minutes</a:t>
-            </a:r>
-            <a:r>
-              <a:rPr lang="sv-SE" dirty="0"/>
-              <a:t> to </a:t>
-            </a:r>
-            <a:r>
-              <a:rPr lang="sv-SE" dirty="0" err="1"/>
-              <a:t>individually</a:t>
-            </a:r>
-            <a:r>
-              <a:rPr lang="sv-SE" dirty="0"/>
-              <a:t> </a:t>
-            </a:r>
-            <a:r>
-              <a:rPr lang="sv-SE" dirty="0" err="1"/>
-              <a:t>write</a:t>
-            </a:r>
-            <a:r>
-              <a:rPr lang="sv-SE" dirty="0"/>
-              <a:t> down </a:t>
-            </a:r>
-            <a:r>
-              <a:rPr lang="sv-SE" dirty="0" err="1"/>
-              <a:t>one</a:t>
-            </a:r>
-            <a:r>
-              <a:rPr lang="sv-SE" dirty="0"/>
-              <a:t> liners </a:t>
-            </a:r>
-            <a:r>
-              <a:rPr lang="sv-SE" dirty="0" err="1"/>
-              <a:t>about</a:t>
-            </a:r>
-            <a:r>
-              <a:rPr lang="sv-SE" dirty="0"/>
-              <a:t> </a:t>
-            </a:r>
-            <a:r>
-              <a:rPr lang="sv-SE" dirty="0" err="1"/>
-              <a:t>memory</a:t>
-            </a:r>
-            <a:endParaRPr lang="sv-SE" dirty="0"/>
+              <a:rPr lang="en-AU" dirty="0"/>
+              <a:t>Take two minutes to individually write down one liners about memory</a:t>
+            </a:r>
           </a:p>
           <a:p>
             <a:pPr marL="0" indent="0">
               <a:buNone/>
             </a:pPr>
-            <a:endParaRPr lang="sv-SE" dirty="0"/>
+            <a:endParaRPr lang="en-AU" dirty="0"/>
           </a:p>
           <a:p>
             <a:pPr marL="0" indent="0">
               <a:buNone/>
             </a:pPr>
-            <a:endParaRPr lang="sv-SE" dirty="0"/>
-          </a:p>
-          <a:p>
-            <a:r>
-              <a:rPr lang="sv-SE" dirty="0"/>
-              <a:t>In </a:t>
-            </a:r>
-            <a:r>
-              <a:rPr lang="sv-SE" dirty="0" err="1"/>
-              <a:t>another</a:t>
-            </a:r>
-            <a:r>
-              <a:rPr lang="sv-SE" dirty="0"/>
-              <a:t> </a:t>
-            </a:r>
-            <a:r>
-              <a:rPr lang="sv-SE" dirty="0" err="1"/>
-              <a:t>two</a:t>
-            </a:r>
-            <a:r>
-              <a:rPr lang="sv-SE" dirty="0"/>
-              <a:t> </a:t>
-            </a:r>
-            <a:r>
-              <a:rPr lang="sv-SE" dirty="0" err="1"/>
-              <a:t>minutes</a:t>
-            </a:r>
-            <a:r>
-              <a:rPr lang="sv-SE" dirty="0"/>
-              <a:t>: </a:t>
-            </a:r>
-            <a:r>
-              <a:rPr lang="sv-SE" dirty="0" err="1"/>
-              <a:t>share</a:t>
-            </a:r>
-            <a:r>
-              <a:rPr lang="sv-SE" dirty="0"/>
-              <a:t> </a:t>
-            </a:r>
-            <a:r>
-              <a:rPr lang="sv-SE" dirty="0" err="1"/>
-              <a:t>your</a:t>
-            </a:r>
-            <a:r>
-              <a:rPr lang="sv-SE" dirty="0"/>
-              <a:t> list </a:t>
-            </a:r>
-            <a:r>
-              <a:rPr lang="sv-SE" dirty="0" err="1"/>
-              <a:t>with</a:t>
-            </a:r>
-            <a:r>
-              <a:rPr lang="sv-SE" dirty="0"/>
-              <a:t> a partner – </a:t>
-            </a:r>
-            <a:r>
-              <a:rPr lang="sv-SE" dirty="0" err="1"/>
-              <a:t>harmonize</a:t>
-            </a:r>
-            <a:r>
-              <a:rPr lang="sv-SE" dirty="0"/>
-              <a:t> the lists</a:t>
-            </a:r>
-          </a:p>
-          <a:p>
-            <a:endParaRPr lang="sv-SE" dirty="0"/>
-          </a:p>
-          <a:p>
-            <a:r>
-              <a:rPr lang="sv-SE" dirty="0"/>
-              <a:t>In </a:t>
-            </a:r>
-            <a:r>
-              <a:rPr lang="sv-SE" dirty="0" err="1"/>
-              <a:t>another</a:t>
-            </a:r>
-            <a:r>
-              <a:rPr lang="sv-SE" dirty="0"/>
-              <a:t> </a:t>
-            </a:r>
-            <a:r>
-              <a:rPr lang="sv-SE" dirty="0" err="1"/>
-              <a:t>two</a:t>
-            </a:r>
-            <a:r>
-              <a:rPr lang="sv-SE" dirty="0"/>
-              <a:t> </a:t>
-            </a:r>
-            <a:r>
-              <a:rPr lang="sv-SE" dirty="0" err="1"/>
-              <a:t>minutes</a:t>
-            </a:r>
-            <a:r>
-              <a:rPr lang="sv-SE" dirty="0"/>
-              <a:t>: pair </a:t>
-            </a:r>
-            <a:r>
-              <a:rPr lang="sv-SE" dirty="0" err="1"/>
-              <a:t>with</a:t>
-            </a:r>
-            <a:r>
-              <a:rPr lang="sv-SE" dirty="0"/>
-              <a:t> </a:t>
-            </a:r>
-            <a:r>
-              <a:rPr lang="sv-SE" dirty="0" err="1"/>
-              <a:t>another</a:t>
-            </a:r>
-            <a:r>
-              <a:rPr lang="sv-SE" dirty="0"/>
-              <a:t> pair and </a:t>
-            </a:r>
-            <a:r>
-              <a:rPr lang="sv-SE" dirty="0" err="1"/>
-              <a:t>harmonize</a:t>
-            </a:r>
-            <a:r>
-              <a:rPr lang="sv-SE" dirty="0"/>
-              <a:t> the lists.</a:t>
+            <a:endParaRPr lang="en-AU" dirty="0"/>
+          </a:p>
+          <a:p>
+            <a:r>
+              <a:rPr lang="en-AU" dirty="0"/>
+              <a:t>In another two minutes: share your list with a partner – harmonize the lists</a:t>
+            </a:r>
+          </a:p>
+          <a:p>
+            <a:endParaRPr lang="en-AU" dirty="0"/>
+          </a:p>
+          <a:p>
+            <a:r>
+              <a:rPr lang="en-AU" dirty="0"/>
+              <a:t>In another two minutes: pair with another pair and harmonize the lists.</a:t>
             </a:r>
           </a:p>
           <a:p>
@@ -5816,7 +5650,7 @@
           <a:p>
             <a:fld id="{9C8F26D7-CBF4-454E-A335-B75D323A88D3}" type="datetime1">
               <a:rPr lang="sv-SE" smtClean="0"/>
-              <a:t>2023-02-14</a:t>
+              <a:t>2023-05-02</a:t>
             </a:fld>
             <a:endParaRPr lang="sv-SE"/>
           </a:p>
@@ -6071,7 +5905,7 @@
           <a:p>
             <a:fld id="{9C8F26D7-CBF4-454E-A335-B75D323A88D3}" type="datetime1">
               <a:rPr lang="sv-SE" smtClean="0"/>
-              <a:t>2023-02-14</a:t>
+              <a:t>2023-05-02</a:t>
             </a:fld>
             <a:endParaRPr lang="sv-SE"/>
           </a:p>
@@ -6356,7 +6190,7 @@
           <a:p>
             <a:fld id="{9C8F26D7-CBF4-454E-A335-B75D323A88D3}" type="datetime1">
               <a:rPr lang="sv-SE" smtClean="0"/>
-              <a:t>2023-02-14</a:t>
+              <a:t>2023-05-02</a:t>
             </a:fld>
             <a:endParaRPr lang="sv-SE"/>
           </a:p>
@@ -6604,7 +6438,7 @@
           <a:p>
             <a:fld id="{9C8F26D7-CBF4-454E-A335-B75D323A88D3}" type="datetime1">
               <a:rPr lang="sv-SE" smtClean="0"/>
-              <a:t>2023-02-14</a:t>
+              <a:t>2023-05-02</a:t>
             </a:fld>
             <a:endParaRPr lang="sv-SE"/>
           </a:p>
@@ -6855,7 +6689,7 @@
           <a:p>
             <a:fld id="{9C8F26D7-CBF4-454E-A335-B75D323A88D3}" type="datetime1">
               <a:rPr lang="sv-SE" smtClean="0"/>
-              <a:t>2023-02-14</a:t>
+              <a:t>2023-05-02</a:t>
             </a:fld>
             <a:endParaRPr lang="sv-SE"/>
           </a:p>
@@ -7176,7 +7010,7 @@
           <a:p>
             <a:fld id="{9C8F26D7-CBF4-454E-A335-B75D323A88D3}" type="datetime1">
               <a:rPr lang="sv-SE" smtClean="0"/>
-              <a:t>2023-02-14</a:t>
+              <a:t>2023-05-02</a:t>
             </a:fld>
             <a:endParaRPr lang="sv-SE"/>
           </a:p>
@@ -7445,7 +7279,7 @@
           <a:p>
             <a:fld id="{9C8F26D7-CBF4-454E-A335-B75D323A88D3}" type="datetime1">
               <a:rPr lang="sv-SE" smtClean="0"/>
-              <a:t>2023-02-14</a:t>
+              <a:t>2023-05-02</a:t>
             </a:fld>
             <a:endParaRPr lang="sv-SE"/>
           </a:p>
@@ -7846,7 +7680,7 @@
           <a:p>
             <a:fld id="{9C8F26D7-CBF4-454E-A335-B75D323A88D3}" type="datetime1">
               <a:rPr lang="sv-SE" smtClean="0"/>
-              <a:t>2023-02-14</a:t>
+              <a:t>2023-05-02</a:t>
             </a:fld>
             <a:endParaRPr lang="sv-SE"/>
           </a:p>
@@ -8101,7 +7935,7 @@
           <a:p>
             <a:fld id="{9C8F26D7-CBF4-454E-A335-B75D323A88D3}" type="datetime1">
               <a:rPr lang="sv-SE" smtClean="0"/>
-              <a:t>2023-02-14</a:t>
+              <a:t>2023-05-02</a:t>
             </a:fld>
             <a:endParaRPr lang="sv-SE"/>
           </a:p>
@@ -8406,7 +8240,7 @@
           <a:p>
             <a:fld id="{9C8F26D7-CBF4-454E-A335-B75D323A88D3}" type="datetime1">
               <a:rPr lang="sv-SE" smtClean="0"/>
-              <a:t>2023-02-14</a:t>
+              <a:t>2023-05-02</a:t>
             </a:fld>
             <a:endParaRPr lang="sv-SE"/>
           </a:p>
@@ -8663,7 +8497,7 @@
           <a:p>
             <a:fld id="{9C8F26D7-CBF4-454E-A335-B75D323A88D3}" type="datetime1">
               <a:rPr lang="sv-SE" smtClean="0"/>
-              <a:t>2023-02-14</a:t>
+              <a:t>2023-05-02</a:t>
             </a:fld>
             <a:endParaRPr lang="sv-SE"/>
           </a:p>
@@ -8913,7 +8747,7 @@
           <a:p>
             <a:fld id="{9C8F26D7-CBF4-454E-A335-B75D323A88D3}" type="datetime1">
               <a:rPr lang="sv-SE" smtClean="0"/>
-              <a:t>2023-02-14</a:t>
+              <a:t>2023-05-02</a:t>
             </a:fld>
             <a:endParaRPr lang="sv-SE"/>
           </a:p>
@@ -9155,7 +8989,7 @@
           <a:p>
             <a:fld id="{9C8F26D7-CBF4-454E-A335-B75D323A88D3}" type="datetime1">
               <a:rPr lang="sv-SE" smtClean="0"/>
-              <a:t>2023-02-14</a:t>
+              <a:t>2023-05-02</a:t>
             </a:fld>
             <a:endParaRPr lang="sv-SE"/>
           </a:p>
@@ -9467,7 +9301,7 @@
           <a:p>
             <a:fld id="{9C8F26D7-CBF4-454E-A335-B75D323A88D3}" type="datetime1">
               <a:rPr lang="sv-SE" smtClean="0"/>
-              <a:t>2023-02-14</a:t>
+              <a:t>2023-05-02</a:t>
             </a:fld>
             <a:endParaRPr lang="sv-SE"/>
           </a:p>
@@ -9776,7 +9610,7 @@
           <a:p>
             <a:fld id="{9C8F26D7-CBF4-454E-A335-B75D323A88D3}" type="datetime1">
               <a:rPr lang="sv-SE" smtClean="0"/>
-              <a:t>2023-02-14</a:t>
+              <a:t>2023-05-02</a:t>
             </a:fld>
             <a:endParaRPr lang="sv-SE"/>
           </a:p>
@@ -10135,7 +9969,7 @@
           <a:p>
             <a:fld id="{9C8F26D7-CBF4-454E-A335-B75D323A88D3}" type="datetime1">
               <a:rPr lang="sv-SE" smtClean="0"/>
-              <a:t>2023-02-14</a:t>
+              <a:t>2023-05-02</a:t>
             </a:fld>
             <a:endParaRPr lang="sv-SE"/>
           </a:p>
@@ -10549,7 +10383,7 @@
           <a:p>
             <a:fld id="{9C8F26D7-CBF4-454E-A335-B75D323A88D3}" type="datetime1">
               <a:rPr lang="sv-SE" smtClean="0"/>
-              <a:t>2023-02-14</a:t>
+              <a:t>2023-05-02</a:t>
             </a:fld>
             <a:endParaRPr lang="sv-SE"/>
           </a:p>
@@ -10913,7 +10747,7 @@
           <a:p>
             <a:fld id="{9C8F26D7-CBF4-454E-A335-B75D323A88D3}" type="datetime1">
               <a:rPr lang="sv-SE" smtClean="0"/>
-              <a:t>2023-02-14</a:t>
+              <a:t>2023-05-02</a:t>
             </a:fld>
             <a:endParaRPr lang="sv-SE"/>
           </a:p>
@@ -11254,7 +11088,7 @@
           <a:p>
             <a:fld id="{9C8F26D7-CBF4-454E-A335-B75D323A88D3}" type="datetime1">
               <a:rPr lang="sv-SE" smtClean="0"/>
-              <a:t>2023-02-14</a:t>
+              <a:t>2023-05-02</a:t>
             </a:fld>
             <a:endParaRPr lang="sv-SE"/>
           </a:p>
@@ -11655,7 +11489,7 @@
           <a:p>
             <a:fld id="{9C8F26D7-CBF4-454E-A335-B75D323A88D3}" type="datetime1">
               <a:rPr lang="sv-SE" smtClean="0"/>
-              <a:t>2023-02-14</a:t>
+              <a:t>2023-05-02</a:t>
             </a:fld>
             <a:endParaRPr lang="sv-SE"/>
           </a:p>
@@ -11910,7 +11744,7 @@
           <a:p>
             <a:fld id="{9C8F26D7-CBF4-454E-A335-B75D323A88D3}" type="datetime1">
               <a:rPr lang="sv-SE" smtClean="0"/>
-              <a:t>2023-02-14</a:t>
+              <a:t>2023-05-02</a:t>
             </a:fld>
             <a:endParaRPr lang="sv-SE"/>
           </a:p>
@@ -12180,7 +12014,7 @@
           <a:p>
             <a:fld id="{9C8F26D7-CBF4-454E-A335-B75D323A88D3}" type="datetime1">
               <a:rPr lang="sv-SE" smtClean="0"/>
-              <a:t>2023-02-14</a:t>
+              <a:t>2023-05-02</a:t>
             </a:fld>
             <a:endParaRPr lang="sv-SE"/>
           </a:p>
@@ -12403,7 +12237,7 @@
           <a:p>
             <a:fld id="{9C8F26D7-CBF4-454E-A335-B75D323A88D3}" type="datetime1">
               <a:rPr lang="sv-SE" smtClean="0"/>
-              <a:t>2023-02-14</a:t>
+              <a:t>2023-05-02</a:t>
             </a:fld>
             <a:endParaRPr lang="sv-SE"/>
           </a:p>
@@ -12497,21 +12331,6 @@
           <a:p>
             <a:endParaRPr lang="en-AU" dirty="0"/>
           </a:p>
-          <a:p>
-            <a:r>
-              <a:rPr lang="en-AU"/>
-              <a:t>Also do the feedback part</a:t>
-            </a:r>
-          </a:p>
-          <a:p>
-            <a:endParaRPr lang="en-AU"/>
-          </a:p>
-          <a:p>
-            <a:r>
-              <a:rPr lang="en-AU" dirty="0"/>
-              <a:t>This workshop is under development. If you are ok with me using your feedback in the continued development, leave it at your desk when you leave the room. </a:t>
-            </a:r>
-          </a:p>
         </p:txBody>
       </p:sp>
       <p:sp>
@@ -12614,7 +12433,7 @@
           <a:p>
             <a:fld id="{9C8F26D7-CBF4-454E-A335-B75D323A88D3}" type="datetime1">
               <a:rPr lang="sv-SE" smtClean="0"/>
-              <a:t>2023-02-14</a:t>
+              <a:t>2023-05-02</a:t>
             </a:fld>
             <a:endParaRPr lang="sv-SE"/>
           </a:p>
@@ -12757,7 +12576,7 @@
           <a:p>
             <a:fld id="{9C8F26D7-CBF4-454E-A335-B75D323A88D3}" type="datetime1">
               <a:rPr lang="sv-SE" smtClean="0"/>
-              <a:t>2023-02-14</a:t>
+              <a:t>2023-05-02</a:t>
             </a:fld>
             <a:endParaRPr lang="sv-SE"/>
           </a:p>
@@ -13177,7 +12996,7 @@
           <a:p>
             <a:fld id="{9C8F26D7-CBF4-454E-A335-B75D323A88D3}" type="datetime1">
               <a:rPr lang="sv-SE" smtClean="0"/>
-              <a:t>2023-02-14</a:t>
+              <a:t>2023-05-02</a:t>
             </a:fld>
             <a:endParaRPr lang="sv-SE"/>
           </a:p>
@@ -13441,7 +13260,7 @@
           <a:p>
             <a:fld id="{9C8F26D7-CBF4-454E-A335-B75D323A88D3}" type="datetime1">
               <a:rPr lang="sv-SE" smtClean="0"/>
-              <a:t>2023-02-14</a:t>
+              <a:t>2023-05-02</a:t>
             </a:fld>
             <a:endParaRPr lang="sv-SE"/>
           </a:p>
@@ -13702,7 +13521,7 @@
           <a:p>
             <a:fld id="{9C8F26D7-CBF4-454E-A335-B75D323A88D3}" type="datetime1">
               <a:rPr lang="sv-SE" smtClean="0"/>
-              <a:t>2023-02-14</a:t>
+              <a:t>2023-05-02</a:t>
             </a:fld>
             <a:endParaRPr lang="sv-SE"/>
           </a:p>
@@ -14088,7 +13907,7 @@
           <a:p>
             <a:fld id="{9C8F26D7-CBF4-454E-A335-B75D323A88D3}" type="datetime1">
               <a:rPr lang="sv-SE" smtClean="0"/>
-              <a:t>2023-02-14</a:t>
+              <a:t>2023-05-02</a:t>
             </a:fld>
             <a:endParaRPr lang="sv-SE"/>
           </a:p>
@@ -14351,7 +14170,7 @@
           <a:p>
             <a:fld id="{9C8F26D7-CBF4-454E-A335-B75D323A88D3}" type="datetime1">
               <a:rPr lang="sv-SE" smtClean="0"/>
-              <a:t>2023-02-14</a:t>
+              <a:t>2023-05-02</a:t>
             </a:fld>
             <a:endParaRPr lang="sv-SE"/>
           </a:p>
@@ -14652,7 +14471,7 @@
           <a:p>
             <a:fld id="{9C8F26D7-CBF4-454E-A335-B75D323A88D3}" type="datetime1">
               <a:rPr lang="sv-SE" smtClean="0"/>
-              <a:t>2023-02-14</a:t>
+              <a:t>2023-05-02</a:t>
             </a:fld>
             <a:endParaRPr lang="sv-SE"/>
           </a:p>

--- a/Instructor slide deck.pptx
+++ b/Instructor slide deck.pptx
@@ -151,6 +151,304 @@
 </p:presentation>
 </file>
 
+<file path=ppt/revisionInfo.xml><?xml version="1.0" encoding="utf-8"?>
+<p1510:revInfo xmlns:a="http://schemas.openxmlformats.org/drawingml/2006/main" xmlns:r="http://schemas.openxmlformats.org/officeDocument/2006/relationships" xmlns:p1510="http://schemas.microsoft.com/office/powerpoint/2015/10/main">
+  <p1510:revLst>
+    <p1510:client id="{61645111-316E-4634-BE12-7508D86440CE}" v="8" dt="2023-05-31T10:54:04.038"/>
+  </p1510:revLst>
+</p1510:revInfo>
+</file>
+
+<file path=ppt/changesInfos/changesInfo1.xml><?xml version="1.0" encoding="utf-8"?>
+<pc:chgInfo xmlns:a="http://schemas.openxmlformats.org/drawingml/2006/main" xmlns:r="http://schemas.openxmlformats.org/officeDocument/2006/relationships" xmlns:ac="http://schemas.microsoft.com/office/drawing/2013/main/command" xmlns:pc="http://schemas.microsoft.com/office/powerpoint/2013/main/command">
+  <pc:docChgLst>
+    <pc:chgData name="Helen Jones" userId="7d43b03e-03a5-46e6-94d5-a3169053bb0d" providerId="ADAL" clId="{61645111-316E-4634-BE12-7508D86440CE}"/>
+    <pc:docChg chg="undo custSel modSld modMainMaster">
+      <pc:chgData name="Helen Jones" userId="7d43b03e-03a5-46e6-94d5-a3169053bb0d" providerId="ADAL" clId="{61645111-316E-4634-BE12-7508D86440CE}" dt="2023-05-31T10:54:04.029" v="213" actId="20577"/>
+      <pc:docMkLst>
+        <pc:docMk/>
+      </pc:docMkLst>
+      <pc:sldChg chg="addSp delSp modSp mod">
+        <pc:chgData name="Helen Jones" userId="7d43b03e-03a5-46e6-94d5-a3169053bb0d" providerId="ADAL" clId="{61645111-316E-4634-BE12-7508D86440CE}" dt="2023-05-31T10:54:04.029" v="213" actId="20577"/>
+        <pc:sldMkLst>
+          <pc:docMk/>
+          <pc:sldMk cId="4053168140" sldId="256"/>
+        </pc:sldMkLst>
+        <pc:spChg chg="add mod">
+          <ac:chgData name="Helen Jones" userId="7d43b03e-03a5-46e6-94d5-a3169053bb0d" providerId="ADAL" clId="{61645111-316E-4634-BE12-7508D86440CE}" dt="2023-05-31T10:54:04.029" v="213" actId="20577"/>
+          <ac:spMkLst>
+            <pc:docMk/>
+            <pc:sldMk cId="4053168140" sldId="256"/>
+            <ac:spMk id="6" creationId="{3D044892-BA67-2016-7147-EF86D2D1285B}"/>
+          </ac:spMkLst>
+        </pc:spChg>
+        <pc:picChg chg="add mod">
+          <ac:chgData name="Helen Jones" userId="7d43b03e-03a5-46e6-94d5-a3169053bb0d" providerId="ADAL" clId="{61645111-316E-4634-BE12-7508D86440CE}" dt="2023-05-31T10:31:10.539" v="30" actId="1076"/>
+          <ac:picMkLst>
+            <pc:docMk/>
+            <pc:sldMk cId="4053168140" sldId="256"/>
+            <ac:picMk id="4" creationId="{E60E718B-CCC4-59B7-8D79-F8B8E43B2A0B}"/>
+          </ac:picMkLst>
+        </pc:picChg>
+        <pc:picChg chg="del">
+          <ac:chgData name="Helen Jones" userId="7d43b03e-03a5-46e6-94d5-a3169053bb0d" providerId="ADAL" clId="{61645111-316E-4634-BE12-7508D86440CE}" dt="2023-05-31T10:31:04.156" v="29" actId="478"/>
+          <ac:picMkLst>
+            <pc:docMk/>
+            <pc:sldMk cId="4053168140" sldId="256"/>
+            <ac:picMk id="5" creationId="{E25A0A21-34AD-4FAA-BB74-AE3F34FE9852}"/>
+          </ac:picMkLst>
+        </pc:picChg>
+      </pc:sldChg>
+      <pc:sldChg chg="modSp mod">
+        <pc:chgData name="Helen Jones" userId="7d43b03e-03a5-46e6-94d5-a3169053bb0d" providerId="ADAL" clId="{61645111-316E-4634-BE12-7508D86440CE}" dt="2023-05-31T10:36:49.139" v="52" actId="313"/>
+        <pc:sldMkLst>
+          <pc:docMk/>
+          <pc:sldMk cId="679068735" sldId="263"/>
+        </pc:sldMkLst>
+        <pc:spChg chg="mod">
+          <ac:chgData name="Helen Jones" userId="7d43b03e-03a5-46e6-94d5-a3169053bb0d" providerId="ADAL" clId="{61645111-316E-4634-BE12-7508D86440CE}" dt="2023-05-31T10:36:49.139" v="52" actId="313"/>
+          <ac:spMkLst>
+            <pc:docMk/>
+            <pc:sldMk cId="679068735" sldId="263"/>
+            <ac:spMk id="3" creationId="{531B12F1-007B-4B93-9641-7D4AB3252337}"/>
+          </ac:spMkLst>
+        </pc:spChg>
+      </pc:sldChg>
+      <pc:sldChg chg="modSp mod">
+        <pc:chgData name="Helen Jones" userId="7d43b03e-03a5-46e6-94d5-a3169053bb0d" providerId="ADAL" clId="{61645111-316E-4634-BE12-7508D86440CE}" dt="2023-05-31T10:37:02.255" v="55" actId="313"/>
+        <pc:sldMkLst>
+          <pc:docMk/>
+          <pc:sldMk cId="2919291925" sldId="265"/>
+        </pc:sldMkLst>
+        <pc:spChg chg="mod">
+          <ac:chgData name="Helen Jones" userId="7d43b03e-03a5-46e6-94d5-a3169053bb0d" providerId="ADAL" clId="{61645111-316E-4634-BE12-7508D86440CE}" dt="2023-05-31T10:37:02.255" v="55" actId="313"/>
+          <ac:spMkLst>
+            <pc:docMk/>
+            <pc:sldMk cId="2919291925" sldId="265"/>
+            <ac:spMk id="3" creationId="{531B12F1-007B-4B93-9641-7D4AB3252337}"/>
+          </ac:spMkLst>
+        </pc:spChg>
+      </pc:sldChg>
+      <pc:sldChg chg="modSp mod">
+        <pc:chgData name="Helen Jones" userId="7d43b03e-03a5-46e6-94d5-a3169053bb0d" providerId="ADAL" clId="{61645111-316E-4634-BE12-7508D86440CE}" dt="2023-05-31T10:32:01.981" v="36" actId="20577"/>
+        <pc:sldMkLst>
+          <pc:docMk/>
+          <pc:sldMk cId="2802355796" sldId="266"/>
+        </pc:sldMkLst>
+        <pc:spChg chg="mod">
+          <ac:chgData name="Helen Jones" userId="7d43b03e-03a5-46e6-94d5-a3169053bb0d" providerId="ADAL" clId="{61645111-316E-4634-BE12-7508D86440CE}" dt="2023-05-31T10:32:01.981" v="36" actId="20577"/>
+          <ac:spMkLst>
+            <pc:docMk/>
+            <pc:sldMk cId="2802355796" sldId="266"/>
+            <ac:spMk id="3" creationId="{531B12F1-007B-4B93-9641-7D4AB3252337}"/>
+          </ac:spMkLst>
+        </pc:spChg>
+      </pc:sldChg>
+      <pc:sldChg chg="modSp mod">
+        <pc:chgData name="Helen Jones" userId="7d43b03e-03a5-46e6-94d5-a3169053bb0d" providerId="ADAL" clId="{61645111-316E-4634-BE12-7508D86440CE}" dt="2023-05-31T10:33:06.907" v="38" actId="313"/>
+        <pc:sldMkLst>
+          <pc:docMk/>
+          <pc:sldMk cId="2062398329" sldId="270"/>
+        </pc:sldMkLst>
+        <pc:spChg chg="mod">
+          <ac:chgData name="Helen Jones" userId="7d43b03e-03a5-46e6-94d5-a3169053bb0d" providerId="ADAL" clId="{61645111-316E-4634-BE12-7508D86440CE}" dt="2023-05-31T10:33:06.907" v="38" actId="313"/>
+          <ac:spMkLst>
+            <pc:docMk/>
+            <pc:sldMk cId="2062398329" sldId="270"/>
+            <ac:spMk id="2" creationId="{3CF836DB-409A-489A-82A9-A396E6CCD69A}"/>
+          </ac:spMkLst>
+        </pc:spChg>
+      </pc:sldChg>
+      <pc:sldChg chg="addSp delSp modSp mod">
+        <pc:chgData name="Helen Jones" userId="7d43b03e-03a5-46e6-94d5-a3169053bb0d" providerId="ADAL" clId="{61645111-316E-4634-BE12-7508D86440CE}" dt="2023-05-31T10:30:36.691" v="22" actId="478"/>
+        <pc:sldMkLst>
+          <pc:docMk/>
+          <pc:sldMk cId="1334375750" sldId="273"/>
+        </pc:sldMkLst>
+        <pc:spChg chg="mod">
+          <ac:chgData name="Helen Jones" userId="7d43b03e-03a5-46e6-94d5-a3169053bb0d" providerId="ADAL" clId="{61645111-316E-4634-BE12-7508D86440CE}" dt="2023-05-31T10:29:35.801" v="6" actId="962"/>
+          <ac:spMkLst>
+            <pc:docMk/>
+            <pc:sldMk cId="1334375750" sldId="273"/>
+            <ac:spMk id="2" creationId="{3CF836DB-409A-489A-82A9-A396E6CCD69A}"/>
+          </ac:spMkLst>
+        </pc:spChg>
+        <pc:spChg chg="del">
+          <ac:chgData name="Helen Jones" userId="7d43b03e-03a5-46e6-94d5-a3169053bb0d" providerId="ADAL" clId="{61645111-316E-4634-BE12-7508D86440CE}" dt="2023-05-31T10:29:33.106" v="4"/>
+          <ac:spMkLst>
+            <pc:docMk/>
+            <pc:sldMk cId="1334375750" sldId="273"/>
+            <ac:spMk id="3" creationId="{531B12F1-007B-4B93-9641-7D4AB3252337}"/>
+          </ac:spMkLst>
+        </pc:spChg>
+        <pc:spChg chg="add mod">
+          <ac:chgData name="Helen Jones" userId="7d43b03e-03a5-46e6-94d5-a3169053bb0d" providerId="ADAL" clId="{61645111-316E-4634-BE12-7508D86440CE}" dt="2023-05-31T10:30:36.691" v="22" actId="478"/>
+          <ac:spMkLst>
+            <pc:docMk/>
+            <pc:sldMk cId="1334375750" sldId="273"/>
+            <ac:spMk id="11" creationId="{42B26538-E33B-FA9C-28DD-255C4007CA26}"/>
+          </ac:spMkLst>
+        </pc:spChg>
+        <pc:picChg chg="mod">
+          <ac:chgData name="Helen Jones" userId="7d43b03e-03a5-46e6-94d5-a3169053bb0d" providerId="ADAL" clId="{61645111-316E-4634-BE12-7508D86440CE}" dt="2023-05-31T10:29:44.241" v="11" actId="1076"/>
+          <ac:picMkLst>
+            <pc:docMk/>
+            <pc:sldMk cId="1334375750" sldId="273"/>
+            <ac:picMk id="8" creationId="{B1FE0867-36F4-4923-91BA-7283795D8F51}"/>
+          </ac:picMkLst>
+        </pc:picChg>
+        <pc:picChg chg="add del mod">
+          <ac:chgData name="Helen Jones" userId="7d43b03e-03a5-46e6-94d5-a3169053bb0d" providerId="ADAL" clId="{61645111-316E-4634-BE12-7508D86440CE}" dt="2023-05-31T10:30:36.691" v="22" actId="478"/>
+          <ac:picMkLst>
+            <pc:docMk/>
+            <pc:sldMk cId="1334375750" sldId="273"/>
+            <ac:picMk id="9" creationId="{2EDBA54B-5A52-F93B-C12B-A7055BAE3C4A}"/>
+          </ac:picMkLst>
+        </pc:picChg>
+      </pc:sldChg>
+      <pc:sldChg chg="modSp mod">
+        <pc:chgData name="Helen Jones" userId="7d43b03e-03a5-46e6-94d5-a3169053bb0d" providerId="ADAL" clId="{61645111-316E-4634-BE12-7508D86440CE}" dt="2023-05-31T10:28:54.582" v="3" actId="20577"/>
+        <pc:sldMkLst>
+          <pc:docMk/>
+          <pc:sldMk cId="3718492575" sldId="275"/>
+        </pc:sldMkLst>
+        <pc:spChg chg="mod">
+          <ac:chgData name="Helen Jones" userId="7d43b03e-03a5-46e6-94d5-a3169053bb0d" providerId="ADAL" clId="{61645111-316E-4634-BE12-7508D86440CE}" dt="2023-05-31T10:28:54.582" v="3" actId="20577"/>
+          <ac:spMkLst>
+            <pc:docMk/>
+            <pc:sldMk cId="3718492575" sldId="275"/>
+            <ac:spMk id="3" creationId="{531B12F1-007B-4B93-9641-7D4AB3252337}"/>
+          </ac:spMkLst>
+        </pc:spChg>
+      </pc:sldChg>
+      <pc:sldChg chg="modSp mod">
+        <pc:chgData name="Helen Jones" userId="7d43b03e-03a5-46e6-94d5-a3169053bb0d" providerId="ADAL" clId="{61645111-316E-4634-BE12-7508D86440CE}" dt="2023-05-31T10:34:10.014" v="39" actId="20577"/>
+        <pc:sldMkLst>
+          <pc:docMk/>
+          <pc:sldMk cId="229810247" sldId="278"/>
+        </pc:sldMkLst>
+        <pc:spChg chg="mod">
+          <ac:chgData name="Helen Jones" userId="7d43b03e-03a5-46e6-94d5-a3169053bb0d" providerId="ADAL" clId="{61645111-316E-4634-BE12-7508D86440CE}" dt="2023-05-31T10:34:10.014" v="39" actId="20577"/>
+          <ac:spMkLst>
+            <pc:docMk/>
+            <pc:sldMk cId="229810247" sldId="278"/>
+            <ac:spMk id="3" creationId="{531B12F1-007B-4B93-9641-7D4AB3252337}"/>
+          </ac:spMkLst>
+        </pc:spChg>
+      </pc:sldChg>
+      <pc:sldChg chg="modSp mod">
+        <pc:chgData name="Helen Jones" userId="7d43b03e-03a5-46e6-94d5-a3169053bb0d" providerId="ADAL" clId="{61645111-316E-4634-BE12-7508D86440CE}" dt="2023-05-31T10:34:19.533" v="40" actId="20577"/>
+        <pc:sldMkLst>
+          <pc:docMk/>
+          <pc:sldMk cId="2778462016" sldId="279"/>
+        </pc:sldMkLst>
+        <pc:spChg chg="mod">
+          <ac:chgData name="Helen Jones" userId="7d43b03e-03a5-46e6-94d5-a3169053bb0d" providerId="ADAL" clId="{61645111-316E-4634-BE12-7508D86440CE}" dt="2023-05-31T10:34:19.533" v="40" actId="20577"/>
+          <ac:spMkLst>
+            <pc:docMk/>
+            <pc:sldMk cId="2778462016" sldId="279"/>
+            <ac:spMk id="3" creationId="{531B12F1-007B-4B93-9641-7D4AB3252337}"/>
+          </ac:spMkLst>
+        </pc:spChg>
+      </pc:sldChg>
+      <pc:sldChg chg="modSp mod">
+        <pc:chgData name="Helen Jones" userId="7d43b03e-03a5-46e6-94d5-a3169053bb0d" providerId="ADAL" clId="{61645111-316E-4634-BE12-7508D86440CE}" dt="2023-05-31T10:34:50.878" v="42" actId="20577"/>
+        <pc:sldMkLst>
+          <pc:docMk/>
+          <pc:sldMk cId="2784179079" sldId="285"/>
+        </pc:sldMkLst>
+        <pc:spChg chg="mod">
+          <ac:chgData name="Helen Jones" userId="7d43b03e-03a5-46e6-94d5-a3169053bb0d" providerId="ADAL" clId="{61645111-316E-4634-BE12-7508D86440CE}" dt="2023-05-31T10:34:50.878" v="42" actId="20577"/>
+          <ac:spMkLst>
+            <pc:docMk/>
+            <pc:sldMk cId="2784179079" sldId="285"/>
+            <ac:spMk id="3" creationId="{531B12F1-007B-4B93-9641-7D4AB3252337}"/>
+          </ac:spMkLst>
+        </pc:spChg>
+      </pc:sldChg>
+      <pc:sldChg chg="modSp mod">
+        <pc:chgData name="Helen Jones" userId="7d43b03e-03a5-46e6-94d5-a3169053bb0d" providerId="ADAL" clId="{61645111-316E-4634-BE12-7508D86440CE}" dt="2023-05-31T10:28:47.802" v="1" actId="6549"/>
+        <pc:sldMkLst>
+          <pc:docMk/>
+          <pc:sldMk cId="115505960" sldId="286"/>
+        </pc:sldMkLst>
+        <pc:spChg chg="mod">
+          <ac:chgData name="Helen Jones" userId="7d43b03e-03a5-46e6-94d5-a3169053bb0d" providerId="ADAL" clId="{61645111-316E-4634-BE12-7508D86440CE}" dt="2023-05-31T10:28:47.802" v="1" actId="6549"/>
+          <ac:spMkLst>
+            <pc:docMk/>
+            <pc:sldMk cId="115505960" sldId="286"/>
+            <ac:spMk id="3" creationId="{531B12F1-007B-4B93-9641-7D4AB3252337}"/>
+          </ac:spMkLst>
+        </pc:spChg>
+      </pc:sldChg>
+      <pc:sldChg chg="modSp mod">
+        <pc:chgData name="Helen Jones" userId="7d43b03e-03a5-46e6-94d5-a3169053bb0d" providerId="ADAL" clId="{61645111-316E-4634-BE12-7508D86440CE}" dt="2023-05-31T10:36:14.188" v="50" actId="20577"/>
+        <pc:sldMkLst>
+          <pc:docMk/>
+          <pc:sldMk cId="1854806124" sldId="288"/>
+        </pc:sldMkLst>
+        <pc:spChg chg="mod">
+          <ac:chgData name="Helen Jones" userId="7d43b03e-03a5-46e6-94d5-a3169053bb0d" providerId="ADAL" clId="{61645111-316E-4634-BE12-7508D86440CE}" dt="2023-05-31T10:36:14.188" v="50" actId="20577"/>
+          <ac:spMkLst>
+            <pc:docMk/>
+            <pc:sldMk cId="1854806124" sldId="288"/>
+            <ac:spMk id="3" creationId="{531B12F1-007B-4B93-9641-7D4AB3252337}"/>
+          </ac:spMkLst>
+        </pc:spChg>
+      </pc:sldChg>
+      <pc:sldChg chg="modSp mod">
+        <pc:chgData name="Helen Jones" userId="7d43b03e-03a5-46e6-94d5-a3169053bb0d" providerId="ADAL" clId="{61645111-316E-4634-BE12-7508D86440CE}" dt="2023-05-31T10:35:48.545" v="48" actId="313"/>
+        <pc:sldMkLst>
+          <pc:docMk/>
+          <pc:sldMk cId="2286414300" sldId="289"/>
+        </pc:sldMkLst>
+        <pc:spChg chg="mod">
+          <ac:chgData name="Helen Jones" userId="7d43b03e-03a5-46e6-94d5-a3169053bb0d" providerId="ADAL" clId="{61645111-316E-4634-BE12-7508D86440CE}" dt="2023-05-31T10:35:48.545" v="48" actId="313"/>
+          <ac:spMkLst>
+            <pc:docMk/>
+            <pc:sldMk cId="2286414300" sldId="289"/>
+            <ac:spMk id="3" creationId="{531B12F1-007B-4B93-9641-7D4AB3252337}"/>
+          </ac:spMkLst>
+        </pc:spChg>
+      </pc:sldChg>
+      <pc:sldMasterChg chg="modSldLayout">
+        <pc:chgData name="Helen Jones" userId="7d43b03e-03a5-46e6-94d5-a3169053bb0d" providerId="ADAL" clId="{61645111-316E-4634-BE12-7508D86440CE}" dt="2023-05-31T10:30:28.412" v="21" actId="1076"/>
+        <pc:sldMasterMkLst>
+          <pc:docMk/>
+          <pc:sldMasterMk cId="2974652794" sldId="2147483648"/>
+        </pc:sldMasterMkLst>
+        <pc:sldLayoutChg chg="addSp delSp modSp mod">
+          <pc:chgData name="Helen Jones" userId="7d43b03e-03a5-46e6-94d5-a3169053bb0d" providerId="ADAL" clId="{61645111-316E-4634-BE12-7508D86440CE}" dt="2023-05-31T10:30:28.412" v="21" actId="1076"/>
+          <pc:sldLayoutMkLst>
+            <pc:docMk/>
+            <pc:sldMasterMk cId="2974652794" sldId="2147483648"/>
+            <pc:sldLayoutMk cId="107159459" sldId="2147483650"/>
+          </pc:sldLayoutMkLst>
+          <pc:picChg chg="add mod">
+            <ac:chgData name="Helen Jones" userId="7d43b03e-03a5-46e6-94d5-a3169053bb0d" providerId="ADAL" clId="{61645111-316E-4634-BE12-7508D86440CE}" dt="2023-05-31T10:30:28.412" v="21" actId="1076"/>
+            <ac:picMkLst>
+              <pc:docMk/>
+              <pc:sldMasterMk cId="2974652794" sldId="2147483648"/>
+              <pc:sldLayoutMk cId="107159459" sldId="2147483650"/>
+              <ac:picMk id="4" creationId="{13CFEE09-140B-89FF-5CDC-9B0F373063AA}"/>
+            </ac:picMkLst>
+          </pc:picChg>
+          <pc:picChg chg="del mod">
+            <ac:chgData name="Helen Jones" userId="7d43b03e-03a5-46e6-94d5-a3169053bb0d" providerId="ADAL" clId="{61645111-316E-4634-BE12-7508D86440CE}" dt="2023-05-31T10:30:22.555" v="20" actId="478"/>
+            <ac:picMkLst>
+              <pc:docMk/>
+              <pc:sldMasterMk cId="2974652794" sldId="2147483648"/>
+              <pc:sldLayoutMk cId="107159459" sldId="2147483650"/>
+              <ac:picMk id="8" creationId="{DDB68190-2245-484D-A892-78690F0A9773}"/>
+            </ac:picMkLst>
+          </pc:picChg>
+        </pc:sldLayoutChg>
+      </pc:sldMasterChg>
+    </pc:docChg>
+  </pc:docChgLst>
+</pc:chgInfo>
+</file>
+
 <file path=ppt/notesMasters/notesMaster1.xml><?xml version="1.0" encoding="utf-8"?>
 <p:notesMaster xmlns:a="http://schemas.openxmlformats.org/drawingml/2006/main" xmlns:r="http://schemas.openxmlformats.org/officeDocument/2006/relationships" xmlns:p="http://schemas.openxmlformats.org/presentationml/2006/main">
   <p:cSld>
@@ -233,7 +531,7 @@
           <a:p>
             <a:fld id="{181F0A0F-B2AB-4514-BCDE-9E2F17F43077}" type="datetimeFigureOut">
               <a:rPr lang="sv-SE" smtClean="0"/>
-              <a:t>2023-05-02</a:t>
+              <a:t>2023-06-09</a:t>
             </a:fld>
             <a:endParaRPr lang="sv-SE"/>
           </a:p>
@@ -986,7 +1284,7 @@
           <a:p>
             <a:fld id="{E511251B-4F49-4A5E-84B6-DA4522E7459F}" type="datetime1">
               <a:rPr lang="sv-SE" smtClean="0"/>
-              <a:t>2023-05-02</a:t>
+              <a:t>2023-06-09</a:t>
             </a:fld>
             <a:endParaRPr lang="sv-SE"/>
           </a:p>
@@ -1190,7 +1488,7 @@
           <a:p>
             <a:fld id="{150D4DC4-B3D5-42A4-AF1E-529C1C6E2DE1}" type="datetime1">
               <a:rPr lang="sv-SE" smtClean="0"/>
-              <a:t>2023-05-02</a:t>
+              <a:t>2023-06-09</a:t>
             </a:fld>
             <a:endParaRPr lang="sv-SE"/>
           </a:p>
@@ -1404,7 +1702,7 @@
           <a:p>
             <a:fld id="{5AD01E71-B690-4D43-9841-661F61908731}" type="datetime1">
               <a:rPr lang="sv-SE" smtClean="0"/>
-              <a:t>2023-05-02</a:t>
+              <a:t>2023-06-09</a:t>
             </a:fld>
             <a:endParaRPr lang="sv-SE"/>
           </a:p>
@@ -1498,12 +1796,99 @@
           <a:chExt cx="0" cy="0"/>
         </a:xfrm>
       </p:grpSpPr>
+      <p:sp>
+        <p:nvSpPr>
+          <p:cNvPr id="2" name="Title 1">
+            <a:extLst>
+              <a:ext uri="{FF2B5EF4-FFF2-40B4-BE49-F238E27FC236}">
+                <a16:creationId xmlns:a16="http://schemas.microsoft.com/office/drawing/2014/main" id="{1B13A32F-2D20-42D8-8EEA-15F1156AD73A}"/>
+              </a:ext>
+            </a:extLst>
+          </p:cNvPr>
+          <p:cNvSpPr>
+            <a:spLocks noGrp="1"/>
+          </p:cNvSpPr>
+          <p:nvPr>
+            <p:ph type="title"/>
+          </p:nvPr>
+        </p:nvSpPr>
+        <p:spPr/>
+        <p:txBody>
+          <a:bodyPr/>
+          <a:lstStyle/>
+          <a:p>
+            <a:r>
+              <a:rPr lang="en-US"/>
+              <a:t>Click to edit Master title style</a:t>
+            </a:r>
+            <a:endParaRPr lang="sv-SE"/>
+          </a:p>
+        </p:txBody>
+      </p:sp>
+      <p:sp>
+        <p:nvSpPr>
+          <p:cNvPr id="3" name="Content Placeholder 2">
+            <a:extLst>
+              <a:ext uri="{FF2B5EF4-FFF2-40B4-BE49-F238E27FC236}">
+                <a16:creationId xmlns:a16="http://schemas.microsoft.com/office/drawing/2014/main" id="{0EE91F0E-D280-4EAD-A1B8-78313C3E2F92}"/>
+              </a:ext>
+            </a:extLst>
+          </p:cNvPr>
+          <p:cNvSpPr>
+            <a:spLocks noGrp="1"/>
+          </p:cNvSpPr>
+          <p:nvPr>
+            <p:ph idx="1"/>
+          </p:nvPr>
+        </p:nvSpPr>
+        <p:spPr/>
+        <p:txBody>
+          <a:bodyPr/>
+          <a:lstStyle/>
+          <a:p>
+            <a:pPr lvl="0"/>
+            <a:r>
+              <a:rPr lang="en-US"/>
+              <a:t>Edit Master text styles</a:t>
+            </a:r>
+          </a:p>
+          <a:p>
+            <a:pPr lvl="1"/>
+            <a:r>
+              <a:rPr lang="en-US"/>
+              <a:t>Second level</a:t>
+            </a:r>
+          </a:p>
+          <a:p>
+            <a:pPr lvl="2"/>
+            <a:r>
+              <a:rPr lang="en-US"/>
+              <a:t>Third level</a:t>
+            </a:r>
+          </a:p>
+          <a:p>
+            <a:pPr lvl="3"/>
+            <a:r>
+              <a:rPr lang="en-US"/>
+              <a:t>Fourth level</a:t>
+            </a:r>
+          </a:p>
+          <a:p>
+            <a:pPr lvl="4"/>
+            <a:r>
+              <a:rPr lang="en-US"/>
+              <a:t>Fifth level</a:t>
+            </a:r>
+            <a:endParaRPr lang="sv-SE"/>
+          </a:p>
+        </p:txBody>
+      </p:sp>
       <p:pic>
         <p:nvPicPr>
-          <p:cNvPr id="8" name="Picture 7">
-            <a:extLst>
-              <a:ext uri="{FF2B5EF4-FFF2-40B4-BE49-F238E27FC236}">
-                <a16:creationId xmlns:a16="http://schemas.microsoft.com/office/drawing/2014/main" id="{DDB68190-2245-484D-A892-78690F0A9773}"/>
+          <p:cNvPr id="4" name="Content Placeholder 8" descr="A black and red logo&#10;&#10;Description automatically generated with low confidence">
+            <a:extLst>
+              <a:ext uri="{FF2B5EF4-FFF2-40B4-BE49-F238E27FC236}">
+                <a16:creationId xmlns:a16="http://schemas.microsoft.com/office/drawing/2014/main" id="{13CFEE09-140B-89FF-5CDC-9B0F373063AA}"/>
               </a:ext>
             </a:extLst>
           </p:cNvPr>
@@ -1526,101 +1911,14 @@
         </p:blipFill>
         <p:spPr>
           <a:xfrm>
-            <a:off x="8610600" y="184533"/>
-            <a:ext cx="3173290" cy="1063899"/>
+            <a:off x="8929526" y="185682"/>
+            <a:ext cx="2949539" cy="990709"/>
           </a:xfrm>
           <a:prstGeom prst="rect">
             <a:avLst/>
           </a:prstGeom>
         </p:spPr>
       </p:pic>
-      <p:sp>
-        <p:nvSpPr>
-          <p:cNvPr id="2" name="Title 1">
-            <a:extLst>
-              <a:ext uri="{FF2B5EF4-FFF2-40B4-BE49-F238E27FC236}">
-                <a16:creationId xmlns:a16="http://schemas.microsoft.com/office/drawing/2014/main" id="{1B13A32F-2D20-42D8-8EEA-15F1156AD73A}"/>
-              </a:ext>
-            </a:extLst>
-          </p:cNvPr>
-          <p:cNvSpPr>
-            <a:spLocks noGrp="1"/>
-          </p:cNvSpPr>
-          <p:nvPr>
-            <p:ph type="title"/>
-          </p:nvPr>
-        </p:nvSpPr>
-        <p:spPr/>
-        <p:txBody>
-          <a:bodyPr/>
-          <a:lstStyle/>
-          <a:p>
-            <a:r>
-              <a:rPr lang="en-US"/>
-              <a:t>Click to edit Master title style</a:t>
-            </a:r>
-            <a:endParaRPr lang="sv-SE"/>
-          </a:p>
-        </p:txBody>
-      </p:sp>
-      <p:sp>
-        <p:nvSpPr>
-          <p:cNvPr id="3" name="Content Placeholder 2">
-            <a:extLst>
-              <a:ext uri="{FF2B5EF4-FFF2-40B4-BE49-F238E27FC236}">
-                <a16:creationId xmlns:a16="http://schemas.microsoft.com/office/drawing/2014/main" id="{0EE91F0E-D280-4EAD-A1B8-78313C3E2F92}"/>
-              </a:ext>
-            </a:extLst>
-          </p:cNvPr>
-          <p:cNvSpPr>
-            <a:spLocks noGrp="1"/>
-          </p:cNvSpPr>
-          <p:nvPr>
-            <p:ph idx="1"/>
-          </p:nvPr>
-        </p:nvSpPr>
-        <p:spPr/>
-        <p:txBody>
-          <a:bodyPr/>
-          <a:lstStyle/>
-          <a:p>
-            <a:pPr lvl="0"/>
-            <a:r>
-              <a:rPr lang="en-US"/>
-              <a:t>Edit Master text styles</a:t>
-            </a:r>
-          </a:p>
-          <a:p>
-            <a:pPr lvl="1"/>
-            <a:r>
-              <a:rPr lang="en-US"/>
-              <a:t>Second level</a:t>
-            </a:r>
-          </a:p>
-          <a:p>
-            <a:pPr lvl="2"/>
-            <a:r>
-              <a:rPr lang="en-US"/>
-              <a:t>Third level</a:t>
-            </a:r>
-          </a:p>
-          <a:p>
-            <a:pPr lvl="3"/>
-            <a:r>
-              <a:rPr lang="en-US"/>
-              <a:t>Fourth level</a:t>
-            </a:r>
-          </a:p>
-          <a:p>
-            <a:pPr lvl="4"/>
-            <a:r>
-              <a:rPr lang="en-US"/>
-              <a:t>Fifth level</a:t>
-            </a:r>
-            <a:endParaRPr lang="sv-SE"/>
-          </a:p>
-        </p:txBody>
-      </p:sp>
     </p:spTree>
     <p:extLst>
       <p:ext uri="{BB962C8B-B14F-4D97-AF65-F5344CB8AC3E}">
@@ -1837,7 +2135,7 @@
           <a:p>
             <a:fld id="{1449D2CC-D942-4D2B-BB7E-96625E0E0125}" type="datetime1">
               <a:rPr lang="sv-SE" smtClean="0"/>
-              <a:t>2023-05-02</a:t>
+              <a:t>2023-06-09</a:t>
             </a:fld>
             <a:endParaRPr lang="sv-SE"/>
           </a:p>
@@ -2109,7 +2407,7 @@
           <a:p>
             <a:fld id="{29CD9D35-3648-4052-8138-5893F3F8F5F6}" type="datetime1">
               <a:rPr lang="sv-SE" smtClean="0"/>
-              <a:t>2023-05-02</a:t>
+              <a:t>2023-06-09</a:t>
             </a:fld>
             <a:endParaRPr lang="sv-SE"/>
           </a:p>
@@ -2528,7 +2826,7 @@
           <a:p>
             <a:fld id="{E1D912A4-8991-4943-A9DD-786C85476834}" type="datetime1">
               <a:rPr lang="sv-SE" smtClean="0"/>
-              <a:t>2023-05-02</a:t>
+              <a:t>2023-06-09</a:t>
             </a:fld>
             <a:endParaRPr lang="sv-SE"/>
           </a:p>
@@ -2674,7 +2972,7 @@
           <a:p>
             <a:fld id="{2BFB1B3F-EEF3-4A62-97A5-00E314A33792}" type="datetime1">
               <a:rPr lang="sv-SE" smtClean="0"/>
-              <a:t>2023-05-02</a:t>
+              <a:t>2023-06-09</a:t>
             </a:fld>
             <a:endParaRPr lang="sv-SE"/>
           </a:p>
@@ -2791,7 +3089,7 @@
           <a:p>
             <a:fld id="{F1A8960B-8726-4B7C-87A0-D93B05403203}" type="datetime1">
               <a:rPr lang="sv-SE" smtClean="0"/>
-              <a:t>2023-05-02</a:t>
+              <a:t>2023-06-09</a:t>
             </a:fld>
             <a:endParaRPr lang="sv-SE"/>
           </a:p>
@@ -3108,7 +3406,7 @@
           <a:p>
             <a:fld id="{E3EAA643-8E6A-4AA5-872B-EC0137BFBC53}" type="datetime1">
               <a:rPr lang="sv-SE" smtClean="0"/>
-              <a:t>2023-05-02</a:t>
+              <a:t>2023-06-09</a:t>
             </a:fld>
             <a:endParaRPr lang="sv-SE"/>
           </a:p>
@@ -3401,7 +3699,7 @@
           <a:p>
             <a:fld id="{5A53B93B-7F22-47F9-BE5C-14AB63522CCD}" type="datetime1">
               <a:rPr lang="sv-SE" smtClean="0"/>
-              <a:t>2023-05-02</a:t>
+              <a:t>2023-06-09</a:t>
             </a:fld>
             <a:endParaRPr lang="sv-SE"/>
           </a:p>
@@ -3648,7 +3946,7 @@
           <a:p>
             <a:fld id="{D0182A12-D9D0-4890-8DA1-7736EB429036}" type="datetime1">
               <a:rPr lang="sv-SE" smtClean="0"/>
-              <a:t>2023-05-02</a:t>
+              <a:t>2023-06-09</a:t>
             </a:fld>
             <a:endParaRPr lang="sv-SE"/>
           </a:p>
@@ -4162,10 +4460,10 @@
       </p:sp>
       <p:pic>
         <p:nvPicPr>
-          <p:cNvPr id="5" name="Picture 4">
-            <a:extLst>
-              <a:ext uri="{FF2B5EF4-FFF2-40B4-BE49-F238E27FC236}">
-                <a16:creationId xmlns:a16="http://schemas.microsoft.com/office/drawing/2014/main" id="{E25A0A21-34AD-4FAA-BB74-AE3F34FE9852}"/>
+          <p:cNvPr id="4" name="Content Placeholder 8" descr="A black and red logo&#10;&#10;Description automatically generated with low confidence">
+            <a:extLst>
+              <a:ext uri="{FF2B5EF4-FFF2-40B4-BE49-F238E27FC236}">
+                <a16:creationId xmlns:a16="http://schemas.microsoft.com/office/drawing/2014/main" id="{E60E718B-CCC4-59B7-8D79-F8B8E43B2A0B}"/>
               </a:ext>
             </a:extLst>
           </p:cNvPr>
@@ -4188,14 +4486,274 @@
         </p:blipFill>
         <p:spPr>
           <a:xfrm>
-            <a:off x="3025232" y="323363"/>
-            <a:ext cx="6141535" cy="2059053"/>
+            <a:off x="3398527" y="461717"/>
+            <a:ext cx="6141535" cy="2062856"/>
           </a:xfrm>
           <a:prstGeom prst="rect">
             <a:avLst/>
           </a:prstGeom>
         </p:spPr>
       </p:pic>
+      <p:sp>
+        <p:nvSpPr>
+          <p:cNvPr id="6" name="Subtitle 2">
+            <a:extLst>
+              <a:ext uri="{FF2B5EF4-FFF2-40B4-BE49-F238E27FC236}">
+                <a16:creationId xmlns:a16="http://schemas.microsoft.com/office/drawing/2014/main" id="{3D044892-BA67-2016-7147-EF86D2D1285B}"/>
+              </a:ext>
+            </a:extLst>
+          </p:cNvPr>
+          <p:cNvSpPr txBox="1">
+            <a:spLocks/>
+          </p:cNvSpPr>
+          <p:nvPr/>
+        </p:nvSpPr>
+        <p:spPr>
+          <a:xfrm>
+            <a:off x="192832" y="5965794"/>
+            <a:ext cx="11815665" cy="760021"/>
+          </a:xfrm>
+          <a:prstGeom prst="rect">
+            <a:avLst/>
+          </a:prstGeom>
+        </p:spPr>
+        <p:txBody>
+          <a:bodyPr vert="horz" lIns="91440" tIns="45720" rIns="91440" bIns="45720" rtlCol="0">
+            <a:normAutofit fontScale="92500" lnSpcReduction="10000"/>
+          </a:bodyPr>
+          <a:lstStyle>
+            <a:lvl1pPr marL="0" indent="0" algn="ctr" defTabSz="914400" rtl="0" eaLnBrk="1" latinLnBrk="0" hangingPunct="1">
+              <a:lnSpc>
+                <a:spcPct val="90000"/>
+              </a:lnSpc>
+              <a:spcBef>
+                <a:spcPts val="1000"/>
+              </a:spcBef>
+              <a:buFont typeface="Arial" panose="020B0604020202020204" pitchFamily="34" charset="0"/>
+              <a:buNone/>
+              <a:defRPr sz="2400" kern="1200">
+                <a:solidFill>
+                  <a:schemeClr val="tx1"/>
+                </a:solidFill>
+                <a:latin typeface="+mn-lt"/>
+                <a:ea typeface="+mn-ea"/>
+                <a:cs typeface="+mn-cs"/>
+              </a:defRPr>
+            </a:lvl1pPr>
+            <a:lvl2pPr marL="457200" indent="0" algn="ctr" defTabSz="914400" rtl="0" eaLnBrk="1" latinLnBrk="0" hangingPunct="1">
+              <a:lnSpc>
+                <a:spcPct val="90000"/>
+              </a:lnSpc>
+              <a:spcBef>
+                <a:spcPts val="500"/>
+              </a:spcBef>
+              <a:buFont typeface="Arial" panose="020B0604020202020204" pitchFamily="34" charset="0"/>
+              <a:buNone/>
+              <a:defRPr sz="2000" kern="1200">
+                <a:solidFill>
+                  <a:schemeClr val="tx1"/>
+                </a:solidFill>
+                <a:latin typeface="+mn-lt"/>
+                <a:ea typeface="+mn-ea"/>
+                <a:cs typeface="+mn-cs"/>
+              </a:defRPr>
+            </a:lvl2pPr>
+            <a:lvl3pPr marL="914400" indent="0" algn="ctr" defTabSz="914400" rtl="0" eaLnBrk="1" latinLnBrk="0" hangingPunct="1">
+              <a:lnSpc>
+                <a:spcPct val="90000"/>
+              </a:lnSpc>
+              <a:spcBef>
+                <a:spcPts val="500"/>
+              </a:spcBef>
+              <a:buFont typeface="Arial" panose="020B0604020202020204" pitchFamily="34" charset="0"/>
+              <a:buNone/>
+              <a:defRPr sz="1800" kern="1200">
+                <a:solidFill>
+                  <a:schemeClr val="tx1"/>
+                </a:solidFill>
+                <a:latin typeface="+mn-lt"/>
+                <a:ea typeface="+mn-ea"/>
+                <a:cs typeface="+mn-cs"/>
+              </a:defRPr>
+            </a:lvl3pPr>
+            <a:lvl4pPr marL="1371600" indent="0" algn="ctr" defTabSz="914400" rtl="0" eaLnBrk="1" latinLnBrk="0" hangingPunct="1">
+              <a:lnSpc>
+                <a:spcPct val="90000"/>
+              </a:lnSpc>
+              <a:spcBef>
+                <a:spcPts val="500"/>
+              </a:spcBef>
+              <a:buFont typeface="Arial" panose="020B0604020202020204" pitchFamily="34" charset="0"/>
+              <a:buNone/>
+              <a:defRPr sz="1600" kern="1200">
+                <a:solidFill>
+                  <a:schemeClr val="tx1"/>
+                </a:solidFill>
+                <a:latin typeface="+mn-lt"/>
+                <a:ea typeface="+mn-ea"/>
+                <a:cs typeface="+mn-cs"/>
+              </a:defRPr>
+            </a:lvl4pPr>
+            <a:lvl5pPr marL="1828800" indent="0" algn="ctr" defTabSz="914400" rtl="0" eaLnBrk="1" latinLnBrk="0" hangingPunct="1">
+              <a:lnSpc>
+                <a:spcPct val="90000"/>
+              </a:lnSpc>
+              <a:spcBef>
+                <a:spcPts val="500"/>
+              </a:spcBef>
+              <a:buFont typeface="Arial" panose="020B0604020202020204" pitchFamily="34" charset="0"/>
+              <a:buNone/>
+              <a:defRPr sz="1600" kern="1200">
+                <a:solidFill>
+                  <a:schemeClr val="tx1"/>
+                </a:solidFill>
+                <a:latin typeface="+mn-lt"/>
+                <a:ea typeface="+mn-ea"/>
+                <a:cs typeface="+mn-cs"/>
+              </a:defRPr>
+            </a:lvl5pPr>
+            <a:lvl6pPr marL="2286000" indent="0" algn="ctr" defTabSz="914400" rtl="0" eaLnBrk="1" latinLnBrk="0" hangingPunct="1">
+              <a:lnSpc>
+                <a:spcPct val="90000"/>
+              </a:lnSpc>
+              <a:spcBef>
+                <a:spcPts val="500"/>
+              </a:spcBef>
+              <a:buFont typeface="Arial" panose="020B0604020202020204" pitchFamily="34" charset="0"/>
+              <a:buNone/>
+              <a:defRPr sz="1600" kern="1200">
+                <a:solidFill>
+                  <a:schemeClr val="tx1"/>
+                </a:solidFill>
+                <a:latin typeface="+mn-lt"/>
+                <a:ea typeface="+mn-ea"/>
+                <a:cs typeface="+mn-cs"/>
+              </a:defRPr>
+            </a:lvl6pPr>
+            <a:lvl7pPr marL="2743200" indent="0" algn="ctr" defTabSz="914400" rtl="0" eaLnBrk="1" latinLnBrk="0" hangingPunct="1">
+              <a:lnSpc>
+                <a:spcPct val="90000"/>
+              </a:lnSpc>
+              <a:spcBef>
+                <a:spcPts val="500"/>
+              </a:spcBef>
+              <a:buFont typeface="Arial" panose="020B0604020202020204" pitchFamily="34" charset="0"/>
+              <a:buNone/>
+              <a:defRPr sz="1600" kern="1200">
+                <a:solidFill>
+                  <a:schemeClr val="tx1"/>
+                </a:solidFill>
+                <a:latin typeface="+mn-lt"/>
+                <a:ea typeface="+mn-ea"/>
+                <a:cs typeface="+mn-cs"/>
+              </a:defRPr>
+            </a:lvl7pPr>
+            <a:lvl8pPr marL="3200400" indent="0" algn="ctr" defTabSz="914400" rtl="0" eaLnBrk="1" latinLnBrk="0" hangingPunct="1">
+              <a:lnSpc>
+                <a:spcPct val="90000"/>
+              </a:lnSpc>
+              <a:spcBef>
+                <a:spcPts val="500"/>
+              </a:spcBef>
+              <a:buFont typeface="Arial" panose="020B0604020202020204" pitchFamily="34" charset="0"/>
+              <a:buNone/>
+              <a:defRPr sz="1600" kern="1200">
+                <a:solidFill>
+                  <a:schemeClr val="tx1"/>
+                </a:solidFill>
+                <a:latin typeface="+mn-lt"/>
+                <a:ea typeface="+mn-ea"/>
+                <a:cs typeface="+mn-cs"/>
+              </a:defRPr>
+            </a:lvl8pPr>
+            <a:lvl9pPr marL="3657600" indent="0" algn="ctr" defTabSz="914400" rtl="0" eaLnBrk="1" latinLnBrk="0" hangingPunct="1">
+              <a:lnSpc>
+                <a:spcPct val="90000"/>
+              </a:lnSpc>
+              <a:spcBef>
+                <a:spcPts val="500"/>
+              </a:spcBef>
+              <a:buFont typeface="Arial" panose="020B0604020202020204" pitchFamily="34" charset="0"/>
+              <a:buNone/>
+              <a:defRPr sz="1600" kern="1200">
+                <a:solidFill>
+                  <a:schemeClr val="tx1"/>
+                </a:solidFill>
+                <a:latin typeface="+mn-lt"/>
+                <a:ea typeface="+mn-ea"/>
+                <a:cs typeface="+mn-cs"/>
+              </a:defRPr>
+            </a:lvl9pPr>
+          </a:lstStyle>
+          <a:p>
+            <a:pPr algn="l"/>
+            <a:r>
+              <a:rPr lang="en-US" sz="1200" dirty="0"/>
+              <a:t>© Crown Copyright, The National Cyber Security Centre 2023. This information is licensed under the Open Government </a:t>
+            </a:r>
+            <a:r>
+              <a:rPr lang="en-US" sz="1200" dirty="0" err="1"/>
+              <a:t>Licence</a:t>
+            </a:r>
+            <a:r>
+              <a:rPr lang="en-US" sz="1200" dirty="0"/>
+              <a:t> v3.0. To view this </a:t>
+            </a:r>
+            <a:r>
+              <a:rPr lang="en-US" sz="1200" dirty="0" err="1"/>
+              <a:t>licence</a:t>
+            </a:r>
+            <a:r>
+              <a:rPr lang="en-US" sz="1200" dirty="0"/>
+              <a:t>, visit </a:t>
+            </a:r>
+            <a:r>
+              <a:rPr lang="en-US" sz="1200" dirty="0">
+                <a:hlinkClick r:id="rId3"/>
+              </a:rPr>
+              <a:t>https://www.nationalarchives.gov.uk/doc/open-government-licence/version/3/</a:t>
+            </a:r>
+            <a:r>
+              <a:rPr lang="en-US" sz="1200" dirty="0"/>
+              <a:t>. </a:t>
+            </a:r>
+          </a:p>
+          <a:p>
+            <a:pPr algn="l"/>
+            <a:r>
+              <a:rPr lang="en-US" sz="1200" dirty="0"/>
+              <a:t>When you use this information under the Open Government </a:t>
+            </a:r>
+            <a:r>
+              <a:rPr lang="en-US" sz="1200" dirty="0" err="1"/>
+              <a:t>Licence</a:t>
+            </a:r>
+            <a:r>
+              <a:rPr lang="en-US" sz="1200" dirty="0"/>
+              <a:t>, you should include the following attribution: CyBOK memory analysis workshop slides © Crown Copyright, The National Cyber Security Centre 2023, licensed under the Open Government </a:t>
+            </a:r>
+            <a:r>
+              <a:rPr lang="en-US" sz="1200" dirty="0" err="1"/>
+              <a:t>Licence</a:t>
+            </a:r>
+            <a:r>
+              <a:rPr lang="en-US" sz="1200" dirty="0"/>
+              <a:t>: </a:t>
+            </a:r>
+            <a:r>
+              <a:rPr lang="en-US" sz="1200" dirty="0">
+                <a:hlinkClick r:id="rId3"/>
+              </a:rPr>
+              <a:t>https://www.nationalarchives.gov.uk/doc/open-government-licence/version/3/</a:t>
+            </a:r>
+            <a:r>
+              <a:rPr lang="en-US" sz="1200" dirty="0"/>
+              <a:t>. </a:t>
+            </a:r>
+            <a:endParaRPr lang="sv-SE" sz="1200" dirty="0"/>
+          </a:p>
+        </p:txBody>
+      </p:sp>
     </p:spTree>
     <p:extLst>
       <p:ext uri="{BB962C8B-B14F-4D97-AF65-F5344CB8AC3E}">
@@ -4425,7 +4983,7 @@
           <a:p>
             <a:fld id="{9C8F26D7-CBF4-454E-A335-B75D323A88D3}" type="datetime1">
               <a:rPr lang="sv-SE" smtClean="0"/>
-              <a:t>2023-05-02</a:t>
+              <a:t>2023-06-09</a:t>
             </a:fld>
             <a:endParaRPr lang="sv-SE"/>
           </a:p>
@@ -4655,7 +5213,7 @@
           <a:p>
             <a:fld id="{9C8F26D7-CBF4-454E-A335-B75D323A88D3}" type="datetime1">
               <a:rPr lang="sv-SE" smtClean="0"/>
-              <a:t>2023-05-02</a:t>
+              <a:t>2023-06-09</a:t>
             </a:fld>
             <a:endParaRPr lang="sv-SE"/>
           </a:p>
@@ -4744,31 +5302,6 @@
       </p:sp>
       <p:sp>
         <p:nvSpPr>
-          <p:cNvPr id="3" name="Content Placeholder 2">
-            <a:extLst>
-              <a:ext uri="{FF2B5EF4-FFF2-40B4-BE49-F238E27FC236}">
-                <a16:creationId xmlns:a16="http://schemas.microsoft.com/office/drawing/2014/main" id="{531B12F1-007B-4B93-9641-7D4AB3252337}"/>
-              </a:ext>
-            </a:extLst>
-          </p:cNvPr>
-          <p:cNvSpPr>
-            <a:spLocks noGrp="1"/>
-          </p:cNvSpPr>
-          <p:nvPr>
-            <p:ph idx="1"/>
-          </p:nvPr>
-        </p:nvSpPr>
-        <p:spPr/>
-        <p:txBody>
-          <a:bodyPr/>
-          <a:lstStyle/>
-          <a:p>
-            <a:endParaRPr lang="sv-SE" dirty="0"/>
-          </a:p>
-        </p:txBody>
-      </p:sp>
-      <p:sp>
-        <p:nvSpPr>
           <p:cNvPr id="4" name="Slide Number Placeholder 3">
             <a:extLst>
               <a:ext uri="{FF2B5EF4-FFF2-40B4-BE49-F238E27FC236}">
@@ -4867,18 +5400,43 @@
           <a:p>
             <a:fld id="{9C8F26D7-CBF4-454E-A335-B75D323A88D3}" type="datetime1">
               <a:rPr lang="sv-SE" smtClean="0"/>
-              <a:t>2023-05-02</a:t>
+              <a:t>2023-06-09</a:t>
             </a:fld>
             <a:endParaRPr lang="sv-SE"/>
           </a:p>
         </p:txBody>
       </p:sp>
+      <p:sp>
+        <p:nvSpPr>
+          <p:cNvPr id="11" name="Content Placeholder 10">
+            <a:extLst>
+              <a:ext uri="{FF2B5EF4-FFF2-40B4-BE49-F238E27FC236}">
+                <a16:creationId xmlns:a16="http://schemas.microsoft.com/office/drawing/2014/main" id="{42B26538-E33B-FA9C-28DD-255C4007CA26}"/>
+              </a:ext>
+            </a:extLst>
+          </p:cNvPr>
+          <p:cNvSpPr>
+            <a:spLocks noGrp="1"/>
+          </p:cNvSpPr>
+          <p:nvPr>
+            <p:ph idx="1"/>
+          </p:nvPr>
+        </p:nvSpPr>
+        <p:spPr/>
+        <p:txBody>
+          <a:bodyPr/>
+          <a:lstStyle/>
+          <a:p>
+            <a:endParaRPr lang="en-GB" dirty="0"/>
+          </a:p>
+        </p:txBody>
+      </p:sp>
       <p:pic>
         <p:nvPicPr>
-          <p:cNvPr id="8" name="Picture 7">
-            <a:extLst>
-              <a:ext uri="{FF2B5EF4-FFF2-40B4-BE49-F238E27FC236}">
-                <a16:creationId xmlns:a16="http://schemas.microsoft.com/office/drawing/2014/main" id="{B1FE0867-36F4-4923-91BA-7283795D8F51}"/>
+          <p:cNvPr id="7" name="Picture 6">
+            <a:extLst>
+              <a:ext uri="{FF2B5EF4-FFF2-40B4-BE49-F238E27FC236}">
+                <a16:creationId xmlns:a16="http://schemas.microsoft.com/office/drawing/2014/main" id="{41896A3F-D17B-4695-9AF3-125613E2C641}"/>
               </a:ext>
             </a:extLst>
           </p:cNvPr>
@@ -4895,8 +5453,8 @@
         </p:blipFill>
         <p:spPr>
           <a:xfrm>
-            <a:off x="2498126" y="1402981"/>
-            <a:ext cx="7195748" cy="5089894"/>
+            <a:off x="1602873" y="1308100"/>
+            <a:ext cx="8591550" cy="5048250"/>
           </a:xfrm>
           <a:prstGeom prst="rect">
             <a:avLst/>
@@ -5122,7 +5680,7 @@
           <a:p>
             <a:fld id="{9C8F26D7-CBF4-454E-A335-B75D323A88D3}" type="datetime1">
               <a:rPr lang="sv-SE" smtClean="0"/>
-              <a:t>2023-05-02</a:t>
+              <a:t>2023-06-09</a:t>
             </a:fld>
             <a:endParaRPr lang="sv-SE"/>
           </a:p>
@@ -5215,15 +5773,7 @@
           <a:p>
             <a:r>
               <a:rPr lang="en-AU" dirty="0"/>
-              <a:t>What are the forensic purposes of memory </a:t>
-            </a:r>
-            <a:r>
-              <a:rPr lang="en-AU" dirty="0" err="1"/>
-              <a:t>anylysis</a:t>
-            </a:r>
-            <a:r>
-              <a:rPr lang="en-AU" dirty="0"/>
-              <a:t>?</a:t>
+              <a:t>What are the forensic purposes of memory analysis?</a:t>
             </a:r>
           </a:p>
           <a:p>
@@ -5410,7 +5960,7 @@
           <a:p>
             <a:fld id="{9C8F26D7-CBF4-454E-A335-B75D323A88D3}" type="datetime1">
               <a:rPr lang="sv-SE" smtClean="0"/>
-              <a:t>2023-05-02</a:t>
+              <a:t>2023-06-09</a:t>
             </a:fld>
             <a:endParaRPr lang="sv-SE"/>
           </a:p>
@@ -5650,7 +6200,7 @@
           <a:p>
             <a:fld id="{9C8F26D7-CBF4-454E-A335-B75D323A88D3}" type="datetime1">
               <a:rPr lang="sv-SE" smtClean="0"/>
-              <a:t>2023-05-02</a:t>
+              <a:t>2023-06-09</a:t>
             </a:fld>
             <a:endParaRPr lang="sv-SE"/>
           </a:p>
@@ -5905,7 +6455,7 @@
           <a:p>
             <a:fld id="{9C8F26D7-CBF4-454E-A335-B75D323A88D3}" type="datetime1">
               <a:rPr lang="sv-SE" smtClean="0"/>
-              <a:t>2023-05-02</a:t>
+              <a:t>2023-06-09</a:t>
             </a:fld>
             <a:endParaRPr lang="sv-SE"/>
           </a:p>
@@ -6190,7 +6740,7 @@
           <a:p>
             <a:fld id="{9C8F26D7-CBF4-454E-A335-B75D323A88D3}" type="datetime1">
               <a:rPr lang="sv-SE" smtClean="0"/>
-              <a:t>2023-05-02</a:t>
+              <a:t>2023-06-09</a:t>
             </a:fld>
             <a:endParaRPr lang="sv-SE"/>
           </a:p>
@@ -6438,7 +6988,7 @@
           <a:p>
             <a:fld id="{9C8F26D7-CBF4-454E-A335-B75D323A88D3}" type="datetime1">
               <a:rPr lang="sv-SE" smtClean="0"/>
-              <a:t>2023-05-02</a:t>
+              <a:t>2023-06-09</a:t>
             </a:fld>
             <a:endParaRPr lang="sv-SE"/>
           </a:p>
@@ -6549,10 +7099,9 @@
           <a:lstStyle/>
           <a:p>
             <a:r>
-              <a:rPr lang="en-AU" dirty="0" err="1"/>
-              <a:t>Attachements</a:t>
-            </a:r>
-            <a:endParaRPr lang="en-AU" dirty="0"/>
+              <a:rPr lang="en-AU" dirty="0"/>
+              <a:t>Attachments</a:t>
+            </a:r>
           </a:p>
           <a:p>
             <a:r>
@@ -6689,7 +7238,7 @@
           <a:p>
             <a:fld id="{9C8F26D7-CBF4-454E-A335-B75D323A88D3}" type="datetime1">
               <a:rPr lang="sv-SE" smtClean="0"/>
-              <a:t>2023-05-02</a:t>
+              <a:t>2023-06-09</a:t>
             </a:fld>
             <a:endParaRPr lang="sv-SE"/>
           </a:p>
@@ -7010,7 +7559,7 @@
           <a:p>
             <a:fld id="{9C8F26D7-CBF4-454E-A335-B75D323A88D3}" type="datetime1">
               <a:rPr lang="sv-SE" smtClean="0"/>
-              <a:t>2023-05-02</a:t>
+              <a:t>2023-06-09</a:t>
             </a:fld>
             <a:endParaRPr lang="sv-SE"/>
           </a:p>
@@ -7149,20 +7698,8 @@
           </a:p>
           <a:p>
             <a:r>
-              <a:rPr lang="sv-SE" dirty="0" err="1"/>
-              <a:t>Memory-residient</a:t>
-            </a:r>
-            <a:r>
-              <a:rPr lang="sv-SE" dirty="0"/>
-              <a:t> (</a:t>
-            </a:r>
-            <a:r>
-              <a:rPr lang="sv-SE" dirty="0" err="1"/>
-              <a:t>file</a:t>
-            </a:r>
-            <a:r>
-              <a:rPr lang="sv-SE" dirty="0"/>
-              <a:t>-less)</a:t>
+              <a:rPr lang="sv-SE" dirty="0"/>
+              <a:t>Memory-resident (file-less)</a:t>
             </a:r>
           </a:p>
           <a:p>
@@ -7279,7 +7816,7 @@
           <a:p>
             <a:fld id="{9C8F26D7-CBF4-454E-A335-B75D323A88D3}" type="datetime1">
               <a:rPr lang="sv-SE" smtClean="0"/>
-              <a:t>2023-05-02</a:t>
+              <a:t>2023-06-09</a:t>
             </a:fld>
             <a:endParaRPr lang="sv-SE"/>
           </a:p>
@@ -7680,7 +8217,7 @@
           <a:p>
             <a:fld id="{9C8F26D7-CBF4-454E-A335-B75D323A88D3}" type="datetime1">
               <a:rPr lang="sv-SE" smtClean="0"/>
-              <a:t>2023-05-02</a:t>
+              <a:t>2023-06-09</a:t>
             </a:fld>
             <a:endParaRPr lang="sv-SE"/>
           </a:p>
@@ -7935,7 +8472,7 @@
           <a:p>
             <a:fld id="{9C8F26D7-CBF4-454E-A335-B75D323A88D3}" type="datetime1">
               <a:rPr lang="sv-SE" smtClean="0"/>
-              <a:t>2023-05-02</a:t>
+              <a:t>2023-06-09</a:t>
             </a:fld>
             <a:endParaRPr lang="sv-SE"/>
           </a:p>
@@ -8240,7 +8777,7 @@
           <a:p>
             <a:fld id="{9C8F26D7-CBF4-454E-A335-B75D323A88D3}" type="datetime1">
               <a:rPr lang="sv-SE" smtClean="0"/>
-              <a:t>2023-05-02</a:t>
+              <a:t>2023-06-09</a:t>
             </a:fld>
             <a:endParaRPr lang="sv-SE"/>
           </a:p>
@@ -8366,7 +8903,7 @@
             <a:pPr lvl="1"/>
             <a:r>
               <a:rPr lang="en-AU" dirty="0"/>
-              <a:t>Less time sensitive because a machine state is stored indefinitely</a:t>
+              <a:t>Less time-sensitive because a machine state is stored indefinitely</a:t>
             </a:r>
           </a:p>
           <a:p>
@@ -8497,7 +9034,7 @@
           <a:p>
             <a:fld id="{9C8F26D7-CBF4-454E-A335-B75D323A88D3}" type="datetime1">
               <a:rPr lang="sv-SE" smtClean="0"/>
-              <a:t>2023-05-02</a:t>
+              <a:t>2023-06-09</a:t>
             </a:fld>
             <a:endParaRPr lang="sv-SE"/>
           </a:p>
@@ -8747,7 +9284,7 @@
           <a:p>
             <a:fld id="{9C8F26D7-CBF4-454E-A335-B75D323A88D3}" type="datetime1">
               <a:rPr lang="sv-SE" smtClean="0"/>
-              <a:t>2023-05-02</a:t>
+              <a:t>2023-06-09</a:t>
             </a:fld>
             <a:endParaRPr lang="sv-SE"/>
           </a:p>
@@ -8876,12 +9413,8 @@
           </a:p>
           <a:p>
             <a:r>
-              <a:rPr lang="en-AU" dirty="0" err="1"/>
-              <a:t>Beeing</a:t>
-            </a:r>
-            <a:r>
               <a:rPr lang="en-AU" dirty="0"/>
-              <a:t> a good memory analyst requires research and experience</a:t>
+              <a:t>Being a good memory analyst requires research and experience</a:t>
             </a:r>
           </a:p>
           <a:p>
@@ -8989,7 +9522,7 @@
           <a:p>
             <a:fld id="{9C8F26D7-CBF4-454E-A335-B75D323A88D3}" type="datetime1">
               <a:rPr lang="sv-SE" smtClean="0"/>
-              <a:t>2023-05-02</a:t>
+              <a:t>2023-06-09</a:t>
             </a:fld>
             <a:endParaRPr lang="sv-SE"/>
           </a:p>
@@ -9110,7 +9643,7 @@
             <a:pPr lvl="1"/>
             <a:r>
               <a:rPr lang="en-AU" dirty="0"/>
-              <a:t>In an incident handling process this would be manifested as ”the incident”</a:t>
+              <a:t>In an incident handling process this would be manifested as “the incident”</a:t>
             </a:r>
           </a:p>
           <a:p>
@@ -9160,12 +9693,8 @@
           <a:p>
             <a:pPr lvl="1"/>
             <a:r>
-              <a:rPr lang="en-AU" dirty="0" err="1"/>
-              <a:t>Adress</a:t>
-            </a:r>
-            <a:r>
               <a:rPr lang="en-AU" dirty="0"/>
-              <a:t> strange memory areas</a:t>
+              <a:t>Address strange memory areas</a:t>
             </a:r>
           </a:p>
           <a:p>
@@ -9186,7 +9715,7 @@
             <a:pPr lvl="1"/>
             <a:r>
               <a:rPr lang="en-AU" dirty="0"/>
-              <a:t>Store data in the registry (windows)</a:t>
+              <a:t>Store data in the registry (Windows)</a:t>
             </a:r>
           </a:p>
           <a:p>
@@ -9301,7 +9830,7 @@
           <a:p>
             <a:fld id="{9C8F26D7-CBF4-454E-A335-B75D323A88D3}" type="datetime1">
               <a:rPr lang="sv-SE" smtClean="0"/>
-              <a:t>2023-05-02</a:t>
+              <a:t>2023-06-09</a:t>
             </a:fld>
             <a:endParaRPr lang="sv-SE"/>
           </a:p>
@@ -9454,7 +9983,7 @@
             <a:pPr lvl="1"/>
             <a:r>
               <a:rPr lang="en-AU" dirty="0"/>
-              <a:t>”manifests” of known malware</a:t>
+              <a:t>“manifests” of known malware</a:t>
             </a:r>
           </a:p>
           <a:p>
@@ -9610,7 +10139,7 @@
           <a:p>
             <a:fld id="{9C8F26D7-CBF4-454E-A335-B75D323A88D3}" type="datetime1">
               <a:rPr lang="sv-SE" smtClean="0"/>
-              <a:t>2023-05-02</a:t>
+              <a:t>2023-06-09</a:t>
             </a:fld>
             <a:endParaRPr lang="sv-SE"/>
           </a:p>
@@ -9969,7 +10498,7 @@
           <a:p>
             <a:fld id="{9C8F26D7-CBF4-454E-A335-B75D323A88D3}" type="datetime1">
               <a:rPr lang="sv-SE" smtClean="0"/>
-              <a:t>2023-05-02</a:t>
+              <a:t>2023-06-09</a:t>
             </a:fld>
             <a:endParaRPr lang="sv-SE"/>
           </a:p>
@@ -10198,13 +10727,8 @@
             <a:pPr lvl="1"/>
             <a:r>
               <a:rPr lang="sv-SE" dirty="0"/>
-              <a:t>Mini-</a:t>
-            </a:r>
-            <a:r>
-              <a:rPr lang="sv-SE" dirty="0" err="1"/>
-              <a:t>challange</a:t>
-            </a:r>
-            <a:endParaRPr lang="sv-SE" dirty="0"/>
+              <a:t>Mini-challenge</a:t>
+            </a:r>
           </a:p>
           <a:p>
             <a:r>
@@ -10252,15 +10776,7 @@
             <a:pPr lvl="1"/>
             <a:r>
               <a:rPr lang="en-US" dirty="0"/>
-              <a:t>Selected topics of Cyber Security Body of Knowledge version 1.1 (</a:t>
-            </a:r>
-            <a:r>
-              <a:rPr lang="en-US" dirty="0" err="1"/>
-              <a:t>CyBok</a:t>
-            </a:r>
-            <a:r>
-              <a:rPr lang="en-US" dirty="0"/>
-              <a:t>) knowledge areas “Forensics”, “Security Operations &amp; Incident Management”, and “Malware and Attack Technologies”</a:t>
+              <a:t>Selected topics of Cyber Security Body of Knowledge version 1.1 (CyBOK) knowledge areas “Forensics”, “Security Operations &amp; Incident Management”, and “Malware and Attack Technologies”</a:t>
             </a:r>
           </a:p>
           <a:p>
@@ -10383,7 +10899,7 @@
           <a:p>
             <a:fld id="{9C8F26D7-CBF4-454E-A335-B75D323A88D3}" type="datetime1">
               <a:rPr lang="sv-SE" smtClean="0"/>
-              <a:t>2023-05-02</a:t>
+              <a:t>2023-06-09</a:t>
             </a:fld>
             <a:endParaRPr lang="sv-SE"/>
           </a:p>
@@ -10747,7 +11263,7 @@
           <a:p>
             <a:fld id="{9C8F26D7-CBF4-454E-A335-B75D323A88D3}" type="datetime1">
               <a:rPr lang="sv-SE" smtClean="0"/>
-              <a:t>2023-05-02</a:t>
+              <a:t>2023-06-09</a:t>
             </a:fld>
             <a:endParaRPr lang="sv-SE"/>
           </a:p>
@@ -11088,7 +11604,7 @@
           <a:p>
             <a:fld id="{9C8F26D7-CBF4-454E-A335-B75D323A88D3}" type="datetime1">
               <a:rPr lang="sv-SE" smtClean="0"/>
-              <a:t>2023-05-02</a:t>
+              <a:t>2023-06-09</a:t>
             </a:fld>
             <a:endParaRPr lang="sv-SE"/>
           </a:p>
@@ -11489,7 +12005,7 @@
           <a:p>
             <a:fld id="{9C8F26D7-CBF4-454E-A335-B75D323A88D3}" type="datetime1">
               <a:rPr lang="sv-SE" smtClean="0"/>
-              <a:t>2023-05-02</a:t>
+              <a:t>2023-06-09</a:t>
             </a:fld>
             <a:endParaRPr lang="sv-SE"/>
           </a:p>
@@ -11744,7 +12260,7 @@
           <a:p>
             <a:fld id="{9C8F26D7-CBF4-454E-A335-B75D323A88D3}" type="datetime1">
               <a:rPr lang="sv-SE" smtClean="0"/>
-              <a:t>2023-05-02</a:t>
+              <a:t>2023-06-09</a:t>
             </a:fld>
             <a:endParaRPr lang="sv-SE"/>
           </a:p>
@@ -11909,7 +12425,7 @@
           <a:p>
             <a:r>
               <a:rPr lang="en-AU" dirty="0"/>
-              <a:t>Lets begin with a short demo before you explore on your own. The demo is available in the compendium</a:t>
+              <a:t>Let’s begin with a short demo before you explore on your own. The demo is available in the compendium</a:t>
             </a:r>
           </a:p>
         </p:txBody>
@@ -12014,7 +12530,7 @@
           <a:p>
             <a:fld id="{9C8F26D7-CBF4-454E-A335-B75D323A88D3}" type="datetime1">
               <a:rPr lang="sv-SE" smtClean="0"/>
-              <a:t>2023-05-02</a:t>
+              <a:t>2023-06-09</a:t>
             </a:fld>
             <a:endParaRPr lang="sv-SE"/>
           </a:p>
@@ -12237,7 +12753,7 @@
           <a:p>
             <a:fld id="{9C8F26D7-CBF4-454E-A335-B75D323A88D3}" type="datetime1">
               <a:rPr lang="sv-SE" smtClean="0"/>
-              <a:t>2023-05-02</a:t>
+              <a:t>2023-06-09</a:t>
             </a:fld>
             <a:endParaRPr lang="sv-SE"/>
           </a:p>
@@ -12325,7 +12841,7 @@
           <a:p>
             <a:r>
               <a:rPr lang="en-AU" dirty="0"/>
-              <a:t>Go to the final page in the compendium and note down what you are bringing from today in the ”reflection square”</a:t>
+              <a:t>Go to the final page in the compendium and note down what you are bringing from today in the “reflection square”</a:t>
             </a:r>
           </a:p>
           <a:p>
@@ -12433,7 +12949,7 @@
           <a:p>
             <a:fld id="{9C8F26D7-CBF4-454E-A335-B75D323A88D3}" type="datetime1">
               <a:rPr lang="sv-SE" smtClean="0"/>
-              <a:t>2023-05-02</a:t>
+              <a:t>2023-06-09</a:t>
             </a:fld>
             <a:endParaRPr lang="sv-SE"/>
           </a:p>
@@ -12576,7 +13092,7 @@
           <a:p>
             <a:fld id="{9C8F26D7-CBF4-454E-A335-B75D323A88D3}" type="datetime1">
               <a:rPr lang="sv-SE" smtClean="0"/>
-              <a:t>2023-05-02</a:t>
+              <a:t>2023-06-09</a:t>
             </a:fld>
             <a:endParaRPr lang="sv-SE"/>
           </a:p>
@@ -12996,7 +13512,7 @@
           <a:p>
             <a:fld id="{9C8F26D7-CBF4-454E-A335-B75D323A88D3}" type="datetime1">
               <a:rPr lang="sv-SE" smtClean="0"/>
-              <a:t>2023-05-02</a:t>
+              <a:t>2023-06-09</a:t>
             </a:fld>
             <a:endParaRPr lang="sv-SE"/>
           </a:p>
@@ -13260,7 +13776,7 @@
           <a:p>
             <a:fld id="{9C8F26D7-CBF4-454E-A335-B75D323A88D3}" type="datetime1">
               <a:rPr lang="sv-SE" smtClean="0"/>
-              <a:t>2023-05-02</a:t>
+              <a:t>2023-06-09</a:t>
             </a:fld>
             <a:endParaRPr lang="sv-SE"/>
           </a:p>
@@ -13521,7 +14037,7 @@
           <a:p>
             <a:fld id="{9C8F26D7-CBF4-454E-A335-B75D323A88D3}" type="datetime1">
               <a:rPr lang="sv-SE" smtClean="0"/>
-              <a:t>2023-05-02</a:t>
+              <a:t>2023-06-09</a:t>
             </a:fld>
             <a:endParaRPr lang="sv-SE"/>
           </a:p>
@@ -13907,7 +14423,7 @@
           <a:p>
             <a:fld id="{9C8F26D7-CBF4-454E-A335-B75D323A88D3}" type="datetime1">
               <a:rPr lang="sv-SE" smtClean="0"/>
-              <a:t>2023-05-02</a:t>
+              <a:t>2023-06-09</a:t>
             </a:fld>
             <a:endParaRPr lang="sv-SE"/>
           </a:p>
@@ -14093,20 +14609,8 @@
           <a:lstStyle/>
           <a:p>
             <a:r>
-              <a:rPr lang="sv-SE" dirty="0" err="1"/>
-              <a:t>Lets</a:t>
-            </a:r>
-            <a:r>
-              <a:rPr lang="sv-SE" dirty="0"/>
-              <a:t> </a:t>
-            </a:r>
-            <a:r>
-              <a:rPr lang="sv-SE" dirty="0" err="1"/>
-              <a:t>move</a:t>
-            </a:r>
-            <a:r>
-              <a:rPr lang="sv-SE" dirty="0"/>
-              <a:t> on!</a:t>
+              <a:rPr lang="sv-SE" dirty="0"/>
+              <a:t>Let’s move on!</a:t>
             </a:r>
           </a:p>
         </p:txBody>
@@ -14170,7 +14674,7 @@
           <a:p>
             <a:fld id="{9C8F26D7-CBF4-454E-A335-B75D323A88D3}" type="datetime1">
               <a:rPr lang="sv-SE" smtClean="0"/>
-              <a:t>2023-05-02</a:t>
+              <a:t>2023-06-09</a:t>
             </a:fld>
             <a:endParaRPr lang="sv-SE"/>
           </a:p>
@@ -14471,7 +14975,7 @@
           <a:p>
             <a:fld id="{9C8F26D7-CBF4-454E-A335-B75D323A88D3}" type="datetime1">
               <a:rPr lang="sv-SE" smtClean="0"/>
-              <a:t>2023-05-02</a:t>
+              <a:t>2023-06-09</a:t>
             </a:fld>
             <a:endParaRPr lang="sv-SE"/>
           </a:p>
